--- a/Documents/Application.Architecture.pptx
+++ b/Documents/Application.Architecture.pptx
@@ -5,10 +5,10 @@
     <p:sldMasterId id="2147483648" r:id="rId1"/>
   </p:sldMasterIdLst>
   <p:notesMasterIdLst>
-    <p:notesMasterId r:id="rId24"/>
+    <p:notesMasterId r:id="rId26"/>
   </p:notesMasterIdLst>
   <p:handoutMasterIdLst>
-    <p:handoutMasterId r:id="rId25"/>
+    <p:handoutMasterId r:id="rId27"/>
   </p:handoutMasterIdLst>
   <p:sldIdLst>
     <p:sldId id="266" r:id="rId2"/>
@@ -30,9 +30,11 @@
     <p:sldId id="322" r:id="rId18"/>
     <p:sldId id="326" r:id="rId19"/>
     <p:sldId id="323" r:id="rId20"/>
-    <p:sldId id="324" r:id="rId21"/>
-    <p:sldId id="325" r:id="rId22"/>
-    <p:sldId id="307" r:id="rId23"/>
+    <p:sldId id="327" r:id="rId21"/>
+    <p:sldId id="324" r:id="rId22"/>
+    <p:sldId id="325" r:id="rId23"/>
+    <p:sldId id="328" r:id="rId24"/>
+    <p:sldId id="307" r:id="rId25"/>
   </p:sldIdLst>
   <p:sldSz cx="9906000" cy="6858000" type="A4"/>
   <p:notesSz cx="7010400" cy="9296400"/>
@@ -2205,7 +2207,7 @@
                   <a:spcPct val="0"/>
                 </a:spcBef>
               </a:pPr>
-              <a:t>22</a:t>
+              <a:t>24</a:t>
             </a:fld>
             <a:endParaRPr lang="en-GB" altLang="en-US" dirty="0"/>
           </a:p>
@@ -10838,7 +10840,7 @@
         <p:spPr bwMode="auto">
           <a:xfrm>
             <a:off x="1189063" y="1201658"/>
-            <a:ext cx="7526982" cy="4401205"/>
+            <a:ext cx="7526982" cy="5016758"/>
           </a:xfrm>
           <a:prstGeom prst="rect">
             <a:avLst/>
@@ -11131,10 +11133,39 @@
               <a:defRPr/>
             </a:pPr>
             <a:r>
+              <a:rPr lang="en-US" altLang="en-US" sz="2000" dirty="0" err="1">
+                <a:cs typeface="Times New Roman" panose="02020603050405020304" pitchFamily="18" charset="0"/>
+              </a:rPr>
+              <a:t>Newtonsoft.JSON</a:t>
+            </a:r>
+            <a:r>
               <a:rPr lang="en-US" altLang="en-US" sz="2000" dirty="0">
                 <a:cs typeface="Times New Roman" panose="02020603050405020304" pitchFamily="18" charset="0"/>
               </a:rPr>
-              <a:t>Newtonsoft.JSON 10.0.3</a:t>
+              <a:t> 10.0.3</a:t>
+            </a:r>
+          </a:p>
+          <a:p>
+            <a:pPr>
+              <a:buFont typeface="Wingdings" panose="05000000000000000000" pitchFamily="2" charset="2"/>
+              <a:buChar char="Ø"/>
+              <a:defRPr/>
+            </a:pPr>
+            <a:endParaRPr lang="en-US" altLang="en-US" sz="2000" dirty="0">
+              <a:cs typeface="Times New Roman" panose="02020603050405020304" pitchFamily="18" charset="0"/>
+            </a:endParaRPr>
+          </a:p>
+          <a:p>
+            <a:pPr>
+              <a:buFont typeface="Wingdings" panose="05000000000000000000" pitchFamily="2" charset="2"/>
+              <a:buChar char="Ø"/>
+              <a:defRPr/>
+            </a:pPr>
+            <a:r>
+              <a:rPr lang="en-US" altLang="en-US" sz="2000" dirty="0">
+                <a:cs typeface="Times New Roman" panose="02020603050405020304" pitchFamily="18" charset="0"/>
+              </a:rPr>
+              <a:t>Unit Testing</a:t>
             </a:r>
           </a:p>
           <a:p>
@@ -12229,53 +12260,114 @@
             <p:ph type="title"/>
           </p:nvPr>
         </p:nvSpPr>
-        <p:spPr/>
+        <p:spPr>
+          <a:xfrm>
+            <a:off x="21495" y="11266"/>
+            <a:ext cx="8915400" cy="465406"/>
+          </a:xfrm>
+        </p:spPr>
         <p:txBody>
           <a:bodyPr/>
           <a:lstStyle/>
           <a:p>
-            <a:endParaRPr lang="en-US"/>
+            <a:pPr algn="l"/>
+            <a:r>
+              <a:rPr lang="en-US" altLang="en-US" sz="2800" dirty="0">
+                <a:solidFill>
+                  <a:schemeClr val="bg1"/>
+                </a:solidFill>
+                <a:cs typeface="Times New Roman" panose="02020603050405020304" pitchFamily="18" charset="0"/>
+              </a:rPr>
+              <a:t>SQL Server 2016 &amp; Reporting Services</a:t>
+            </a:r>
+            <a:endParaRPr lang="en-US" sz="2800" dirty="0"/>
           </a:p>
         </p:txBody>
       </p:sp>
-      <p:sp>
-        <p:nvSpPr>
-          <p:cNvPr id="3" name="Content Placeholder 2"/>
-          <p:cNvSpPr>
-            <a:spLocks noGrp="1"/>
-          </p:cNvSpPr>
+      <p:pic>
+        <p:nvPicPr>
+          <p:cNvPr id="12" name="Content Placeholder 11"/>
+          <p:cNvPicPr>
+            <a:picLocks noGrp="1" noChangeAspect="1"/>
+          </p:cNvPicPr>
           <p:nvPr>
             <p:ph sz="half" idx="1"/>
           </p:nvPr>
-        </p:nvSpPr>
-        <p:spPr/>
-        <p:txBody>
-          <a:bodyPr/>
-          <a:lstStyle/>
-          <a:p>
-            <a:endParaRPr lang="en-US"/>
-          </a:p>
-        </p:txBody>
-      </p:sp>
-      <p:sp>
-        <p:nvSpPr>
-          <p:cNvPr id="4" name="Content Placeholder 3"/>
-          <p:cNvSpPr>
-            <a:spLocks noGrp="1"/>
-          </p:cNvSpPr>
+        </p:nvPicPr>
+        <p:blipFill>
+          <a:blip r:embed="rId2">
+            <a:extLst>
+              <a:ext uri="{28A0092B-C50C-407E-A947-70E740481C1C}">
+                <a14:useLocalDpi xmlns:a14="http://schemas.microsoft.com/office/drawing/2010/main" val="0"/>
+              </a:ext>
+            </a:extLst>
+          </a:blip>
+          <a:stretch>
+            <a:fillRect/>
+          </a:stretch>
+        </p:blipFill>
+        <p:spPr>
+          <a:xfrm>
+            <a:off x="416496" y="1556792"/>
+            <a:ext cx="4248472" cy="4057123"/>
+          </a:xfrm>
+          <a:prstGeom prst="rect">
+            <a:avLst/>
+          </a:prstGeom>
+          <a:ln>
+            <a:noFill/>
+          </a:ln>
+          <a:effectLst>
+            <a:outerShdw blurRad="292100" dist="139700" dir="2700000" algn="tl" rotWithShape="0">
+              <a:srgbClr val="333333">
+                <a:alpha val="65000"/>
+              </a:srgbClr>
+            </a:outerShdw>
+          </a:effectLst>
+        </p:spPr>
+      </p:pic>
+      <p:pic>
+        <p:nvPicPr>
+          <p:cNvPr id="14" name="Content Placeholder 13"/>
+          <p:cNvPicPr>
+            <a:picLocks noGrp="1" noChangeAspect="1"/>
+          </p:cNvPicPr>
           <p:nvPr>
             <p:ph sz="half" idx="2"/>
           </p:nvPr>
-        </p:nvSpPr>
-        <p:spPr/>
-        <p:txBody>
-          <a:bodyPr/>
-          <a:lstStyle/>
-          <a:p>
-            <a:endParaRPr lang="en-US"/>
-          </a:p>
-        </p:txBody>
-      </p:sp>
+        </p:nvPicPr>
+        <p:blipFill>
+          <a:blip r:embed="rId3">
+            <a:extLst>
+              <a:ext uri="{28A0092B-C50C-407E-A947-70E740481C1C}">
+                <a14:useLocalDpi xmlns:a14="http://schemas.microsoft.com/office/drawing/2010/main" val="0"/>
+              </a:ext>
+            </a:extLst>
+          </a:blip>
+          <a:stretch>
+            <a:fillRect/>
+          </a:stretch>
+        </p:blipFill>
+        <p:spPr>
+          <a:xfrm>
+            <a:off x="5241032" y="1556792"/>
+            <a:ext cx="4165476" cy="4057123"/>
+          </a:xfrm>
+          <a:prstGeom prst="rect">
+            <a:avLst/>
+          </a:prstGeom>
+          <a:ln>
+            <a:noFill/>
+          </a:ln>
+          <a:effectLst>
+            <a:outerShdw blurRad="292100" dist="139700" dir="2700000" algn="tl" rotWithShape="0">
+              <a:srgbClr val="333333">
+                <a:alpha val="65000"/>
+              </a:srgbClr>
+            </a:outerShdw>
+          </a:effectLst>
+        </p:spPr>
+      </p:pic>
       <p:sp>
         <p:nvSpPr>
           <p:cNvPr id="5" name="Slide Number Placeholder 4"/>
@@ -12929,7 +13021,7 @@
             </a:pPr>
             <a:r>
               <a:rPr lang="en-US" sz="1800" b="1" dirty="0"/>
-              <a:t>The accounts are divided in 5 roles with different degrees of access.</a:t>
+              <a:t>It is an E-Commerce site, which sells smartphones.</a:t>
             </a:r>
           </a:p>
           <a:p>
@@ -13205,6 +13297,125 @@
 </file>
 
 <file path=ppt/slides/slide20.xml><?xml version="1.0" encoding="utf-8"?>
+<p:sld xmlns:a="http://schemas.openxmlformats.org/drawingml/2006/main" xmlns:r="http://schemas.openxmlformats.org/officeDocument/2006/relationships" xmlns:p="http://schemas.openxmlformats.org/presentationml/2006/main">
+  <p:cSld>
+    <p:spTree>
+      <p:nvGrpSpPr>
+        <p:cNvPr id="1" name=""/>
+        <p:cNvGrpSpPr/>
+        <p:nvPr/>
+      </p:nvGrpSpPr>
+      <p:grpSpPr>
+        <a:xfrm>
+          <a:off x="0" y="0"/>
+          <a:ext cx="0" cy="0"/>
+          <a:chOff x="0" y="0"/>
+          <a:chExt cx="0" cy="0"/>
+        </a:xfrm>
+      </p:grpSpPr>
+      <p:sp>
+        <p:nvSpPr>
+          <p:cNvPr id="2" name="Title 1"/>
+          <p:cNvSpPr>
+            <a:spLocks noGrp="1"/>
+          </p:cNvSpPr>
+          <p:nvPr>
+            <p:ph type="title"/>
+          </p:nvPr>
+        </p:nvSpPr>
+        <p:spPr>
+          <a:xfrm>
+            <a:off x="0" y="0"/>
+            <a:ext cx="8915400" cy="548680"/>
+          </a:xfrm>
+        </p:spPr>
+        <p:txBody>
+          <a:bodyPr/>
+          <a:lstStyle/>
+          <a:p>
+            <a:pPr algn="l"/>
+            <a:r>
+              <a:rPr lang="en-US" altLang="en-US" sz="2800" dirty="0">
+                <a:solidFill>
+                  <a:schemeClr val="bg1"/>
+                </a:solidFill>
+                <a:cs typeface="Times New Roman" panose="02020603050405020304" pitchFamily="18" charset="0"/>
+              </a:rPr>
+              <a:t>Log4Net</a:t>
+            </a:r>
+            <a:endParaRPr lang="en-US" sz="2800" dirty="0"/>
+          </a:p>
+        </p:txBody>
+      </p:sp>
+      <p:pic>
+        <p:nvPicPr>
+          <p:cNvPr id="6" name="Content Placeholder 5"/>
+          <p:cNvPicPr>
+            <a:picLocks noGrp="1" noChangeAspect="1"/>
+          </p:cNvPicPr>
+          <p:nvPr>
+            <p:ph sz="half" idx="1"/>
+          </p:nvPr>
+        </p:nvPicPr>
+        <p:blipFill>
+          <a:blip r:embed="rId2"/>
+          <a:stretch>
+            <a:fillRect/>
+          </a:stretch>
+        </p:blipFill>
+        <p:spPr>
+          <a:xfrm>
+            <a:off x="646634" y="836712"/>
+            <a:ext cx="8268766" cy="5328592"/>
+          </a:xfrm>
+          <a:prstGeom prst="rect">
+            <a:avLst/>
+          </a:prstGeom>
+        </p:spPr>
+      </p:pic>
+      <p:sp>
+        <p:nvSpPr>
+          <p:cNvPr id="5" name="Slide Number Placeholder 4"/>
+          <p:cNvSpPr>
+            <a:spLocks noGrp="1"/>
+          </p:cNvSpPr>
+          <p:nvPr>
+            <p:ph type="sldNum" sz="quarter" idx="12"/>
+          </p:nvPr>
+        </p:nvSpPr>
+        <p:spPr/>
+        <p:txBody>
+          <a:bodyPr/>
+          <a:lstStyle/>
+          <a:p>
+            <a:pPr>
+              <a:defRPr/>
+            </a:pPr>
+            <a:fld id="{E6574C62-3BE2-490C-BC0C-04F56C0A3483}" type="slidenum">
+              <a:rPr lang="en-GB" altLang="en-US" smtClean="0"/>
+              <a:pPr>
+                <a:defRPr/>
+              </a:pPr>
+              <a:t>20</a:t>
+            </a:fld>
+            <a:endParaRPr lang="en-GB" altLang="en-US" dirty="0"/>
+          </a:p>
+        </p:txBody>
+      </p:sp>
+    </p:spTree>
+    <p:extLst>
+      <p:ext uri="{BB962C8B-B14F-4D97-AF65-F5344CB8AC3E}">
+        <p14:creationId xmlns:p14="http://schemas.microsoft.com/office/powerpoint/2010/main" val="2315924780"/>
+      </p:ext>
+    </p:extLst>
+  </p:cSld>
+  <p:clrMapOvr>
+    <a:masterClrMapping/>
+  </p:clrMapOvr>
+</p:sld>
+</file>
+
+<file path=ppt/slides/slide21.xml><?xml version="1.0" encoding="utf-8"?>
 <p:sld xmlns:a="http://schemas.openxmlformats.org/drawingml/2006/main" xmlns:r="http://schemas.openxmlformats.org/officeDocument/2006/relationships" xmlns:p="http://schemas.openxmlformats.org/presentationml/2006/main">
   <p:cSld>
     <p:spTree>
@@ -13413,7 +13624,7 @@
               <a:pPr>
                 <a:defRPr/>
               </a:pPr>
-              <a:t>20</a:t>
+              <a:t>21</a:t>
             </a:fld>
             <a:endParaRPr lang="en-GB" altLang="en-US" dirty="0"/>
           </a:p>
@@ -13432,7 +13643,7 @@
 </p:sld>
 </file>
 
-<file path=ppt/slides/slide21.xml><?xml version="1.0" encoding="utf-8"?>
+<file path=ppt/slides/slide22.xml><?xml version="1.0" encoding="utf-8"?>
 <p:sld xmlns:a="http://schemas.openxmlformats.org/drawingml/2006/main" xmlns:r="http://schemas.openxmlformats.org/officeDocument/2006/relationships" xmlns:p="http://schemas.openxmlformats.org/presentationml/2006/main">
   <p:cSld>
     <p:spTree>
@@ -13594,9 +13805,38 @@
               <a:pPr>
                 <a:defRPr/>
               </a:pPr>
-              <a:t>21</a:t>
+              <a:t>22</a:t>
             </a:fld>
             <a:endParaRPr lang="en-GB" altLang="en-US" dirty="0"/>
+          </a:p>
+        </p:txBody>
+      </p:sp>
+      <p:sp>
+        <p:nvSpPr>
+          <p:cNvPr id="3" name="TextBox 2"/>
+          <p:cNvSpPr txBox="1"/>
+          <p:nvPr/>
+        </p:nvSpPr>
+        <p:spPr>
+          <a:xfrm>
+            <a:off x="704528" y="980728"/>
+            <a:ext cx="7416824" cy="307777"/>
+          </a:xfrm>
+          <a:prstGeom prst="rect">
+            <a:avLst/>
+          </a:prstGeom>
+          <a:noFill/>
+        </p:spPr>
+        <p:txBody>
+          <a:bodyPr wrap="square" rtlCol="0">
+            <a:spAutoFit/>
+          </a:bodyPr>
+          <a:lstStyle/>
+          <a:p>
+            <a:r>
+              <a:rPr lang="en-US" dirty="0"/>
+              <a:t>This package is used to convert a JSON object into a C# class.</a:t>
+            </a:r>
           </a:p>
         </p:txBody>
       </p:sp>
@@ -13613,7 +13853,191 @@
 </p:sld>
 </file>
 
-<file path=ppt/slides/slide22.xml><?xml version="1.0" encoding="utf-8"?>
+<file path=ppt/slides/slide23.xml><?xml version="1.0" encoding="utf-8"?>
+<p:sld xmlns:a="http://schemas.openxmlformats.org/drawingml/2006/main" xmlns:r="http://schemas.openxmlformats.org/officeDocument/2006/relationships" xmlns:p="http://schemas.openxmlformats.org/presentationml/2006/main">
+  <p:cSld>
+    <p:spTree>
+      <p:nvGrpSpPr>
+        <p:cNvPr id="1" name=""/>
+        <p:cNvGrpSpPr/>
+        <p:nvPr/>
+      </p:nvGrpSpPr>
+      <p:grpSpPr>
+        <a:xfrm>
+          <a:off x="0" y="0"/>
+          <a:ext cx="0" cy="0"/>
+          <a:chOff x="0" y="0"/>
+          <a:chExt cx="0" cy="0"/>
+        </a:xfrm>
+      </p:grpSpPr>
+      <p:sp>
+        <p:nvSpPr>
+          <p:cNvPr id="2" name="Title 1"/>
+          <p:cNvSpPr>
+            <a:spLocks noGrp="1"/>
+          </p:cNvSpPr>
+          <p:nvPr>
+            <p:ph type="title"/>
+          </p:nvPr>
+        </p:nvSpPr>
+        <p:spPr>
+          <a:xfrm>
+            <a:off x="0" y="0"/>
+            <a:ext cx="8915400" cy="548680"/>
+          </a:xfrm>
+        </p:spPr>
+        <p:txBody>
+          <a:bodyPr/>
+          <a:lstStyle/>
+          <a:p>
+            <a:pPr algn="l"/>
+            <a:r>
+              <a:rPr lang="en-US" sz="2800" dirty="0">
+                <a:solidFill>
+                  <a:schemeClr val="bg1"/>
+                </a:solidFill>
+              </a:rPr>
+              <a:t>Unit Testing</a:t>
+            </a:r>
+          </a:p>
+        </p:txBody>
+      </p:sp>
+      <p:pic>
+        <p:nvPicPr>
+          <p:cNvPr id="7" name="Content Placeholder 6"/>
+          <p:cNvPicPr>
+            <a:picLocks noGrp="1" noChangeAspect="1"/>
+          </p:cNvPicPr>
+          <p:nvPr>
+            <p:ph sz="half" idx="1"/>
+          </p:nvPr>
+        </p:nvPicPr>
+        <p:blipFill>
+          <a:blip r:embed="rId2">
+            <a:extLst>
+              <a:ext uri="{28A0092B-C50C-407E-A947-70E740481C1C}">
+                <a14:useLocalDpi xmlns:a14="http://schemas.microsoft.com/office/drawing/2010/main" val="0"/>
+              </a:ext>
+            </a:extLst>
+          </a:blip>
+          <a:stretch>
+            <a:fillRect/>
+          </a:stretch>
+        </p:blipFill>
+        <p:spPr>
+          <a:xfrm>
+            <a:off x="788112" y="2616843"/>
+            <a:ext cx="7958748" cy="3769676"/>
+          </a:xfrm>
+          <a:prstGeom prst="rect">
+            <a:avLst/>
+          </a:prstGeom>
+          <a:ln>
+            <a:noFill/>
+          </a:ln>
+          <a:effectLst>
+            <a:outerShdw blurRad="292100" dist="139700" dir="2700000" algn="tl" rotWithShape="0">
+              <a:srgbClr val="333333">
+                <a:alpha val="65000"/>
+              </a:srgbClr>
+            </a:outerShdw>
+          </a:effectLst>
+        </p:spPr>
+      </p:pic>
+      <p:sp>
+        <p:nvSpPr>
+          <p:cNvPr id="4" name="Content Placeholder 3"/>
+          <p:cNvSpPr>
+            <a:spLocks noGrp="1"/>
+          </p:cNvSpPr>
+          <p:nvPr>
+            <p:ph sz="half" idx="2"/>
+          </p:nvPr>
+        </p:nvSpPr>
+        <p:spPr>
+          <a:xfrm>
+            <a:off x="788112" y="1196752"/>
+            <a:ext cx="8127288" cy="792088"/>
+          </a:xfrm>
+        </p:spPr>
+        <p:txBody>
+          <a:bodyPr/>
+          <a:lstStyle/>
+          <a:p>
+            <a:pPr marL="0" indent="0">
+              <a:buNone/>
+            </a:pPr>
+            <a:r>
+              <a:rPr lang="en-US" sz="1400" dirty="0">
+                <a:latin typeface="Times New Roman" panose="02020603050405020304" pitchFamily="18" charset="0"/>
+                <a:cs typeface="Times New Roman" panose="02020603050405020304" pitchFamily="18" charset="0"/>
+              </a:rPr>
+              <a:t>        In computer programming, </a:t>
+            </a:r>
+            <a:r>
+              <a:rPr lang="en-US" sz="1400" b="1" dirty="0">
+                <a:latin typeface="Times New Roman" panose="02020603050405020304" pitchFamily="18" charset="0"/>
+                <a:cs typeface="Times New Roman" panose="02020603050405020304" pitchFamily="18" charset="0"/>
+              </a:rPr>
+              <a:t>unit testing</a:t>
+            </a:r>
+            <a:r>
+              <a:rPr lang="en-US" sz="1400" dirty="0">
+                <a:latin typeface="Times New Roman" panose="02020603050405020304" pitchFamily="18" charset="0"/>
+                <a:cs typeface="Times New Roman" panose="02020603050405020304" pitchFamily="18" charset="0"/>
+              </a:rPr>
+              <a:t> is a software testing method by which individual units of source code, sets of one or more computer program modules together with associated control data, usage procedures, and operating procedures, are tested to determine whether they are fit for use.</a:t>
+            </a:r>
+            <a:endParaRPr lang="en-US" sz="1400" dirty="0">
+              <a:latin typeface="Times New Roman" panose="02020603050405020304" pitchFamily="18" charset="0"/>
+              <a:cs typeface="Times New Roman" panose="02020603050405020304" pitchFamily="18" charset="0"/>
+            </a:endParaRPr>
+          </a:p>
+        </p:txBody>
+      </p:sp>
+      <p:sp>
+        <p:nvSpPr>
+          <p:cNvPr id="5" name="Slide Number Placeholder 4"/>
+          <p:cNvSpPr>
+            <a:spLocks noGrp="1"/>
+          </p:cNvSpPr>
+          <p:nvPr>
+            <p:ph type="sldNum" sz="quarter" idx="12"/>
+          </p:nvPr>
+        </p:nvSpPr>
+        <p:spPr/>
+        <p:txBody>
+          <a:bodyPr/>
+          <a:lstStyle/>
+          <a:p>
+            <a:pPr>
+              <a:defRPr/>
+            </a:pPr>
+            <a:fld id="{E6574C62-3BE2-490C-BC0C-04F56C0A3483}" type="slidenum">
+              <a:rPr lang="en-GB" altLang="en-US" smtClean="0"/>
+              <a:pPr>
+                <a:defRPr/>
+              </a:pPr>
+              <a:t>23</a:t>
+            </a:fld>
+            <a:endParaRPr lang="en-GB" altLang="en-US" dirty="0"/>
+          </a:p>
+        </p:txBody>
+      </p:sp>
+    </p:spTree>
+    <p:extLst>
+      <p:ext uri="{BB962C8B-B14F-4D97-AF65-F5344CB8AC3E}">
+        <p14:creationId xmlns:p14="http://schemas.microsoft.com/office/powerpoint/2010/main" val="446910722"/>
+      </p:ext>
+    </p:extLst>
+  </p:cSld>
+  <p:clrMapOvr>
+    <a:masterClrMapping/>
+  </p:clrMapOvr>
+</p:sld>
+</file>
+
+<file path=ppt/slides/slide24.xml><?xml version="1.0" encoding="utf-8"?>
 <p:sld xmlns:a="http://schemas.openxmlformats.org/drawingml/2006/main" xmlns:r="http://schemas.openxmlformats.org/officeDocument/2006/relationships" xmlns:p="http://schemas.openxmlformats.org/presentationml/2006/main">
   <p:cSld>
     <p:spTree>
@@ -13810,7 +14234,7 @@
                 <a:buFontTx/>
                 <a:buNone/>
               </a:pPr>
-              <a:t>22</a:t>
+              <a:t>24</a:t>
             </a:fld>
             <a:endParaRPr lang="en-GB" altLang="en-US" sz="1400" dirty="0"/>
           </a:p>

--- a/Documents/Application.Architecture.pptx
+++ b/Documents/Application.Architecture.pptx
@@ -5,10 +5,10 @@
     <p:sldMasterId id="2147483648" r:id="rId1"/>
   </p:sldMasterIdLst>
   <p:notesMasterIdLst>
-    <p:notesMasterId r:id="rId26"/>
+    <p:notesMasterId r:id="rId24"/>
   </p:notesMasterIdLst>
   <p:handoutMasterIdLst>
-    <p:handoutMasterId r:id="rId27"/>
+    <p:handoutMasterId r:id="rId25"/>
   </p:handoutMasterIdLst>
   <p:sldIdLst>
     <p:sldId id="266" r:id="rId2"/>
@@ -28,13 +28,11 @@
     <p:sldId id="320" r:id="rId16"/>
     <p:sldId id="321" r:id="rId17"/>
     <p:sldId id="322" r:id="rId18"/>
-    <p:sldId id="326" r:id="rId19"/>
-    <p:sldId id="323" r:id="rId20"/>
-    <p:sldId id="327" r:id="rId21"/>
-    <p:sldId id="324" r:id="rId22"/>
-    <p:sldId id="325" r:id="rId23"/>
-    <p:sldId id="328" r:id="rId24"/>
-    <p:sldId id="307" r:id="rId25"/>
+    <p:sldId id="323" r:id="rId19"/>
+    <p:sldId id="324" r:id="rId20"/>
+    <p:sldId id="325" r:id="rId21"/>
+    <p:sldId id="328" r:id="rId22"/>
+    <p:sldId id="307" r:id="rId23"/>
   </p:sldIdLst>
   <p:sldSz cx="9906000" cy="6858000" type="A4"/>
   <p:notesSz cx="7010400" cy="9296400"/>
@@ -2207,7 +2205,7 @@
                   <a:spcPct val="0"/>
                 </a:spcBef>
               </a:pPr>
-              <a:t>24</a:t>
+              <a:t>22</a:t>
             </a:fld>
             <a:endParaRPr lang="en-GB" altLang="en-US" dirty="0"/>
           </a:p>
@@ -9129,8 +9127,8 @@
         </p:blipFill>
         <p:spPr>
           <a:xfrm>
-            <a:off x="200472" y="1124744"/>
-            <a:ext cx="9505056" cy="4968552"/>
+            <a:off x="200472" y="1545170"/>
+            <a:ext cx="9289032" cy="4855630"/>
           </a:xfrm>
           <a:prstGeom prst="rect">
             <a:avLst/>
@@ -9147,6 +9145,54 @@
           </a:effectLst>
         </p:spPr>
       </p:pic>
+      <p:sp>
+        <p:nvSpPr>
+          <p:cNvPr id="3" name="TextBox 2"/>
+          <p:cNvSpPr txBox="1"/>
+          <p:nvPr/>
+        </p:nvSpPr>
+        <p:spPr>
+          <a:xfrm>
+            <a:off x="272480" y="764704"/>
+            <a:ext cx="9289032" cy="523220"/>
+          </a:xfrm>
+          <a:prstGeom prst="rect">
+            <a:avLst/>
+          </a:prstGeom>
+          <a:noFill/>
+        </p:spPr>
+        <p:txBody>
+          <a:bodyPr wrap="square" rtlCol="0">
+            <a:spAutoFit/>
+          </a:bodyPr>
+          <a:lstStyle/>
+          <a:p>
+            <a:pPr marL="285750" indent="-285750">
+              <a:buFont typeface="Arial" panose="020B0604020202020204" pitchFamily="34" charset="0"/>
+              <a:buChar char="•"/>
+            </a:pPr>
+            <a:r>
+              <a:rPr lang="en-US" dirty="0" err="1"/>
+              <a:t>DataTables</a:t>
+            </a:r>
+            <a:r>
+              <a:rPr lang="en-US" dirty="0"/>
+              <a:t> is a plug-in for the jQuery JavaScript library</a:t>
+            </a:r>
+          </a:p>
+          <a:p>
+            <a:pPr marL="285750" indent="-285750">
+              <a:buFont typeface="Arial" panose="020B0604020202020204" pitchFamily="34" charset="0"/>
+              <a:buChar char="•"/>
+            </a:pPr>
+            <a:r>
+              <a:rPr lang="en-US" dirty="0"/>
+              <a:t>Desktop view</a:t>
+            </a:r>
+            <a:endParaRPr lang="en-US" dirty="0"/>
+          </a:p>
+        </p:txBody>
+      </p:sp>
     </p:spTree>
     <p:extLst>
       <p:ext uri="{BB962C8B-B14F-4D97-AF65-F5344CB8AC3E}">
@@ -9286,21 +9332,7 @@
                 <a:latin typeface="Times New Roman" panose="02020603050405020304" pitchFamily="18" charset="0"/>
                 <a:cs typeface="Times New Roman" panose="02020603050405020304" pitchFamily="18" charset="0"/>
               </a:rPr>
-              <a:t> is a plug-in for the jQuery </a:t>
-            </a:r>
-            <a:r>
-              <a:rPr lang="en-US" sz="1400" dirty="0" err="1">
-                <a:latin typeface="Times New Roman" panose="02020603050405020304" pitchFamily="18" charset="0"/>
-                <a:cs typeface="Times New Roman" panose="02020603050405020304" pitchFamily="18" charset="0"/>
-              </a:rPr>
-              <a:t>Javascript</a:t>
-            </a:r>
-            <a:r>
-              <a:rPr lang="en-US" sz="1400" dirty="0">
-                <a:latin typeface="Times New Roman" panose="02020603050405020304" pitchFamily="18" charset="0"/>
-                <a:cs typeface="Times New Roman" panose="02020603050405020304" pitchFamily="18" charset="0"/>
-              </a:rPr>
-              <a:t> library. It is a highly flexible tool, based upon the foundations of progressive enhancement, and will add advanced interaction controls to any HTML table.</a:t>
+              <a:t> is a plug-in for the jQuery JavaScript library. It is a highly flexible tool, based upon the foundations of progressive enhancement, and will add advanced interaction controls to any HTML table.</a:t>
             </a:r>
           </a:p>
           <a:p>
@@ -9467,7 +9499,7 @@
         </p:blipFill>
         <p:spPr>
           <a:xfrm>
-            <a:off x="5457056" y="1484784"/>
+            <a:off x="5598732" y="1624658"/>
             <a:ext cx="3653772" cy="4525963"/>
           </a:xfrm>
           <a:prstGeom prst="rect">
@@ -9511,6 +9543,35 @@
               <a:t>11</a:t>
             </a:fld>
             <a:endParaRPr lang="en-GB" altLang="en-US" dirty="0"/>
+          </a:p>
+        </p:txBody>
+      </p:sp>
+      <p:sp>
+        <p:nvSpPr>
+          <p:cNvPr id="4" name="TextBox 3"/>
+          <p:cNvSpPr txBox="1"/>
+          <p:nvPr/>
+        </p:nvSpPr>
+        <p:spPr>
+          <a:xfrm>
+            <a:off x="6467508" y="1066702"/>
+            <a:ext cx="2784996" cy="307777"/>
+          </a:xfrm>
+          <a:prstGeom prst="rect">
+            <a:avLst/>
+          </a:prstGeom>
+          <a:noFill/>
+        </p:spPr>
+        <p:txBody>
+          <a:bodyPr wrap="square" rtlCol="0">
+            <a:spAutoFit/>
+          </a:bodyPr>
+          <a:lstStyle/>
+          <a:p>
+            <a:r>
+              <a:rPr lang="en-US" dirty="0"/>
+              <a:t>Responsive for mobile</a:t>
+            </a:r>
           </a:p>
         </p:txBody>
       </p:sp>
@@ -11254,7 +11315,7 @@
         <p:spPr>
           <a:xfrm>
             <a:off x="488504" y="1840492"/>
-            <a:ext cx="3665612" cy="3384376"/>
+            <a:ext cx="4752528" cy="3384376"/>
           </a:xfrm>
         </p:spPr>
         <p:txBody>
@@ -11357,8 +11418,8 @@
         </p:blipFill>
         <p:spPr>
           <a:xfrm>
-            <a:off x="4808984" y="1844824"/>
-            <a:ext cx="4381500" cy="3380044"/>
+            <a:off x="6002529" y="1340768"/>
+            <a:ext cx="2896243" cy="4536033"/>
           </a:xfrm>
           <a:prstGeom prst="rect">
             <a:avLst/>
@@ -11499,8 +11560,8 @@
         </p:nvSpPr>
         <p:spPr>
           <a:xfrm>
-            <a:off x="416496" y="980728"/>
-            <a:ext cx="9145016" cy="2520280"/>
+            <a:off x="488504" y="980728"/>
+            <a:ext cx="4608512" cy="3528392"/>
           </a:xfrm>
         </p:spPr>
         <p:txBody>
@@ -11625,9 +11686,38 @@
           </a:p>
         </p:txBody>
       </p:sp>
+      <p:sp>
+        <p:nvSpPr>
+          <p:cNvPr id="5" name="Slide Number Placeholder 4"/>
+          <p:cNvSpPr>
+            <a:spLocks noGrp="1"/>
+          </p:cNvSpPr>
+          <p:nvPr>
+            <p:ph type="sldNum" sz="quarter" idx="12"/>
+          </p:nvPr>
+        </p:nvSpPr>
+        <p:spPr/>
+        <p:txBody>
+          <a:bodyPr/>
+          <a:lstStyle/>
+          <a:p>
+            <a:pPr>
+              <a:defRPr/>
+            </a:pPr>
+            <a:fld id="{E6574C62-3BE2-490C-BC0C-04F56C0A3483}" type="slidenum">
+              <a:rPr lang="en-GB" altLang="en-US" smtClean="0"/>
+              <a:pPr>
+                <a:defRPr/>
+              </a:pPr>
+              <a:t>15</a:t>
+            </a:fld>
+            <a:endParaRPr lang="en-GB" altLang="en-US" dirty="0"/>
+          </a:p>
+        </p:txBody>
+      </p:sp>
       <p:pic>
         <p:nvPicPr>
-          <p:cNvPr id="7" name="Content Placeholder 6"/>
+          <p:cNvPr id="8" name="Content Placeholder 7"/>
           <p:cNvPicPr>
             <a:picLocks noGrp="1" noChangeAspect="1"/>
           </p:cNvPicPr>
@@ -11649,53 +11739,71 @@
         </p:blipFill>
         <p:spPr>
           <a:xfrm>
-            <a:off x="992560" y="3212976"/>
-            <a:ext cx="7560840" cy="3240360"/>
+            <a:off x="5567996" y="781465"/>
+            <a:ext cx="3838511" cy="2359504"/>
+          </a:xfrm>
+        </p:spPr>
+      </p:pic>
+      <p:pic>
+        <p:nvPicPr>
+          <p:cNvPr id="10" name="Picture 9"/>
+          <p:cNvPicPr>
+            <a:picLocks noChangeAspect="1"/>
+          </p:cNvPicPr>
+          <p:nvPr/>
+        </p:nvPicPr>
+        <p:blipFill>
+          <a:blip r:embed="rId3">
+            <a:extLst>
+              <a:ext uri="{28A0092B-C50C-407E-A947-70E740481C1C}">
+                <a14:useLocalDpi xmlns:a14="http://schemas.microsoft.com/office/drawing/2010/main" val="0"/>
+              </a:ext>
+            </a:extLst>
+          </a:blip>
+          <a:stretch>
+            <a:fillRect/>
+          </a:stretch>
+        </p:blipFill>
+        <p:spPr>
+          <a:xfrm>
+            <a:off x="5587887" y="3808511"/>
+            <a:ext cx="3783265" cy="2450407"/>
           </a:xfrm>
           <a:prstGeom prst="rect">
             <a:avLst/>
           </a:prstGeom>
-          <a:ln>
-            <a:noFill/>
-          </a:ln>
-          <a:effectLst>
-            <a:outerShdw blurRad="292100" dist="139700" dir="2700000" algn="tl" rotWithShape="0">
-              <a:srgbClr val="333333">
-                <a:alpha val="65000"/>
-              </a:srgbClr>
-            </a:outerShdw>
-          </a:effectLst>
         </p:spPr>
       </p:pic>
-      <p:sp>
-        <p:nvSpPr>
-          <p:cNvPr id="5" name="Slide Number Placeholder 4"/>
-          <p:cNvSpPr>
-            <a:spLocks noGrp="1"/>
-          </p:cNvSpPr>
-          <p:nvPr>
-            <p:ph type="sldNum" sz="quarter" idx="12"/>
-          </p:nvPr>
-        </p:nvSpPr>
-        <p:spPr/>
-        <p:txBody>
-          <a:bodyPr/>
-          <a:lstStyle/>
-          <a:p>
-            <a:pPr>
-              <a:defRPr/>
-            </a:pPr>
-            <a:fld id="{E6574C62-3BE2-490C-BC0C-04F56C0A3483}" type="slidenum">
-              <a:rPr lang="en-GB" altLang="en-US" smtClean="0"/>
-              <a:pPr>
-                <a:defRPr/>
-              </a:pPr>
-              <a:t>15</a:t>
-            </a:fld>
-            <a:endParaRPr lang="en-GB" altLang="en-US" dirty="0"/>
-          </a:p>
-        </p:txBody>
-      </p:sp>
+      <p:pic>
+        <p:nvPicPr>
+          <p:cNvPr id="12" name="Picture 11"/>
+          <p:cNvPicPr>
+            <a:picLocks noChangeAspect="1"/>
+          </p:cNvPicPr>
+          <p:nvPr/>
+        </p:nvPicPr>
+        <p:blipFill>
+          <a:blip r:embed="rId4">
+            <a:extLst>
+              <a:ext uri="{28A0092B-C50C-407E-A947-70E740481C1C}">
+                <a14:useLocalDpi xmlns:a14="http://schemas.microsoft.com/office/drawing/2010/main" val="0"/>
+              </a:ext>
+            </a:extLst>
+          </a:blip>
+          <a:stretch>
+            <a:fillRect/>
+          </a:stretch>
+        </p:blipFill>
+        <p:spPr>
+          <a:xfrm>
+            <a:off x="344488" y="5097420"/>
+            <a:ext cx="4896544" cy="1190625"/>
+          </a:xfrm>
+          <a:prstGeom prst="rect">
+            <a:avLst/>
+          </a:prstGeom>
+        </p:spPr>
+      </p:pic>
     </p:spTree>
     <p:extLst>
       <p:ext uri="{BB962C8B-B14F-4D97-AF65-F5344CB8AC3E}">
@@ -11785,11 +11893,18 @@
               <a:buNone/>
             </a:pPr>
             <a:r>
+              <a:rPr lang="en-US" sz="1400" b="1" dirty="0">
+                <a:latin typeface="Times New Roman" panose="02020603050405020304" pitchFamily="18" charset="0"/>
+                <a:cs typeface="Times New Roman" panose="02020603050405020304" pitchFamily="18" charset="0"/>
+              </a:rPr>
+              <a:t>     ASP.NET Identity</a:t>
+            </a:r>
+            <a:r>
               <a:rPr lang="en-US" sz="1400" dirty="0">
                 <a:latin typeface="Times New Roman" panose="02020603050405020304" pitchFamily="18" charset="0"/>
                 <a:cs typeface="Times New Roman" panose="02020603050405020304" pitchFamily="18" charset="0"/>
               </a:rPr>
-              <a:t>     ASP.NET Identity is a membership system which allows you to add login functionality to your application.</a:t>
+              <a:t> is a membership system which allows you to add login functionality to your application.</a:t>
             </a:r>
           </a:p>
           <a:p>
@@ -11842,68 +11957,117 @@
               <a:buNone/>
             </a:pPr>
             <a:r>
+              <a:rPr lang="en-US" sz="1400" b="1" dirty="0">
+                <a:latin typeface="Times New Roman" panose="02020603050405020304" pitchFamily="18" charset="0"/>
+                <a:cs typeface="Times New Roman" panose="02020603050405020304" pitchFamily="18" charset="0"/>
+              </a:rPr>
+              <a:t>Customers</a:t>
+            </a:r>
+            <a:r>
               <a:rPr lang="en-US" sz="1400" dirty="0">
                 <a:latin typeface="Times New Roman" panose="02020603050405020304" pitchFamily="18" charset="0"/>
                 <a:cs typeface="Times New Roman" panose="02020603050405020304" pitchFamily="18" charset="0"/>
               </a:rPr>
-              <a:t>Customers: </a:t>
-            </a:r>
-          </a:p>
-          <a:p>
+              <a:t>: </a:t>
+            </a:r>
+          </a:p>
+          <a:p>
+            <a:r>
+              <a:rPr lang="en-US" sz="1400" b="1" dirty="0">
+                <a:latin typeface="Times New Roman" panose="02020603050405020304" pitchFamily="18" charset="0"/>
+                <a:cs typeface="Times New Roman" panose="02020603050405020304" pitchFamily="18" charset="0"/>
+              </a:rPr>
+              <a:t>Guest</a:t>
+            </a:r>
             <a:r>
               <a:rPr lang="en-US" sz="1400" dirty="0">
                 <a:latin typeface="Times New Roman" panose="02020603050405020304" pitchFamily="18" charset="0"/>
                 <a:cs typeface="Times New Roman" panose="02020603050405020304" pitchFamily="18" charset="0"/>
               </a:rPr>
-              <a:t>Guest: They have the lowest degree of access, they only   have access to change the password</a:t>
-            </a:r>
-          </a:p>
-          <a:p>
+              <a:t>: They have the lowest degree of access, they only   have access to change the password</a:t>
+            </a:r>
+          </a:p>
+          <a:p>
+            <a:r>
+              <a:rPr lang="en-US" sz="1400" b="1" dirty="0">
+                <a:latin typeface="Times New Roman" panose="02020603050405020304" pitchFamily="18" charset="0"/>
+                <a:cs typeface="Times New Roman" panose="02020603050405020304" pitchFamily="18" charset="0"/>
+              </a:rPr>
+              <a:t>Customers</a:t>
+            </a:r>
             <a:r>
               <a:rPr lang="en-US" sz="1400" dirty="0">
                 <a:latin typeface="Times New Roman" panose="02020603050405020304" pitchFamily="18" charset="0"/>
                 <a:cs typeface="Times New Roman" panose="02020603050405020304" pitchFamily="18" charset="0"/>
               </a:rPr>
-              <a:t>Customers: When a user places his first order, he becomes Customers and can see their orders</a:t>
+              <a:t>: When a user places his first order, he becomes Customers and can see their orders</a:t>
             </a:r>
           </a:p>
           <a:p>
             <a:pPr marL="0" indent="0">
               <a:buNone/>
             </a:pPr>
+            <a:r>
+              <a:rPr lang="en-US" sz="1400" b="1" dirty="0">
+                <a:latin typeface="Times New Roman" panose="02020603050405020304" pitchFamily="18" charset="0"/>
+                <a:cs typeface="Times New Roman" panose="02020603050405020304" pitchFamily="18" charset="0"/>
+              </a:rPr>
+              <a:t>Employees</a:t>
+            </a:r>
             <a:r>
               <a:rPr lang="en-US" sz="1400" dirty="0">
                 <a:latin typeface="Times New Roman" panose="02020603050405020304" pitchFamily="18" charset="0"/>
                 <a:cs typeface="Times New Roman" panose="02020603050405020304" pitchFamily="18" charset="0"/>
               </a:rPr>
-              <a:t>Employees:</a:t>
-            </a:r>
-          </a:p>
-          <a:p>
+              <a:t>:</a:t>
+            </a:r>
+          </a:p>
+          <a:p>
+            <a:r>
+              <a:rPr lang="en-US" sz="1400" b="1" dirty="0">
+                <a:latin typeface="Times New Roman" panose="02020603050405020304" pitchFamily="18" charset="0"/>
+                <a:cs typeface="Times New Roman" panose="02020603050405020304" pitchFamily="18" charset="0"/>
+              </a:rPr>
+              <a:t>Employee</a:t>
+            </a:r>
             <a:r>
               <a:rPr lang="en-US" sz="1400" dirty="0">
                 <a:latin typeface="Times New Roman" panose="02020603050405020304" pitchFamily="18" charset="0"/>
                 <a:cs typeface="Times New Roman" panose="02020603050405020304" pitchFamily="18" charset="0"/>
               </a:rPr>
-              <a:t>Employee: They have access to the list of orders they handle</a:t>
-            </a:r>
-          </a:p>
-          <a:p>
+              <a:t>: They have access to the list of orders they handle</a:t>
+            </a:r>
+          </a:p>
+          <a:p>
+            <a:r>
+              <a:rPr lang="en-US" sz="1400" b="1" dirty="0">
+                <a:latin typeface="Times New Roman" panose="02020603050405020304" pitchFamily="18" charset="0"/>
+                <a:cs typeface="Times New Roman" panose="02020603050405020304" pitchFamily="18" charset="0"/>
+              </a:rPr>
+              <a:t>Managers</a:t>
+            </a:r>
             <a:r>
               <a:rPr lang="en-US" sz="1400" dirty="0">
                 <a:latin typeface="Times New Roman" panose="02020603050405020304" pitchFamily="18" charset="0"/>
                 <a:cs typeface="Times New Roman" panose="02020603050405020304" pitchFamily="18" charset="0"/>
               </a:rPr>
-              <a:t>Managers: They have access to the list of all orders</a:t>
-            </a:r>
-          </a:p>
-          <a:p>
+              <a:t>: They have access to the list of all orders</a:t>
+            </a:r>
+          </a:p>
+          <a:p>
+            <a:r>
+              <a:rPr lang="en-US" sz="1400" b="1" dirty="0">
+                <a:latin typeface="Times New Roman" panose="02020603050405020304" pitchFamily="18" charset="0"/>
+                <a:cs typeface="Times New Roman" panose="02020603050405020304" pitchFamily="18" charset="0"/>
+              </a:rPr>
+              <a:t>Admins</a:t>
+            </a:r>
             <a:r>
               <a:rPr lang="en-US" sz="1400" dirty="0">
                 <a:latin typeface="Times New Roman" panose="02020603050405020304" pitchFamily="18" charset="0"/>
                 <a:cs typeface="Times New Roman" panose="02020603050405020304" pitchFamily="18" charset="0"/>
               </a:rPr>
-              <a:t>Admins: They have access to the dashboard where they can manage the database and see company statistics</a:t>
+              <a:t>: They have access to the dashboard where they can manage the database and see company statistics</a:t>
             </a:r>
           </a:p>
         </p:txBody>
@@ -11932,8 +12096,8 @@
         </p:blipFill>
         <p:spPr>
           <a:xfrm>
-            <a:off x="5469570" y="1412776"/>
-            <a:ext cx="4097660" cy="3960440"/>
+            <a:off x="5970228" y="836712"/>
+            <a:ext cx="3096344" cy="5218083"/>
           </a:xfrm>
           <a:prstGeom prst="rect">
             <a:avLst/>
@@ -12057,7 +12221,12 @@
             <p:ph sz="half" idx="1"/>
           </p:nvPr>
         </p:nvSpPr>
-        <p:spPr/>
+        <p:spPr>
+          <a:xfrm>
+            <a:off x="355444" y="1128875"/>
+            <a:ext cx="4381500" cy="3268960"/>
+          </a:xfrm>
+        </p:spPr>
         <p:txBody>
           <a:bodyPr/>
           <a:lstStyle/>
@@ -12173,8 +12342,8 @@
         </p:blipFill>
         <p:spPr>
           <a:xfrm>
-            <a:off x="4808984" y="1412776"/>
-            <a:ext cx="4601716" cy="4320479"/>
+            <a:off x="355444" y="4840614"/>
+            <a:ext cx="4601716" cy="1434485"/>
           </a:xfrm>
           <a:prstGeom prst="rect">
             <a:avLst/>
@@ -12220,6 +12389,46 @@
           </a:p>
         </p:txBody>
       </p:sp>
+      <p:pic>
+        <p:nvPicPr>
+          <p:cNvPr id="6" name="Picture 5"/>
+          <p:cNvPicPr>
+            <a:picLocks noChangeAspect="1"/>
+          </p:cNvPicPr>
+          <p:nvPr/>
+        </p:nvPicPr>
+        <p:blipFill>
+          <a:blip r:embed="rId3">
+            <a:extLst>
+              <a:ext uri="{28A0092B-C50C-407E-A947-70E740481C1C}">
+                <a14:useLocalDpi xmlns:a14="http://schemas.microsoft.com/office/drawing/2010/main" val="0"/>
+              </a:ext>
+            </a:extLst>
+          </a:blip>
+          <a:stretch>
+            <a:fillRect/>
+          </a:stretch>
+        </p:blipFill>
+        <p:spPr>
+          <a:xfrm>
+            <a:off x="5169024" y="1128875"/>
+            <a:ext cx="4270552" cy="5146594"/>
+          </a:xfrm>
+          <a:prstGeom prst="rect">
+            <a:avLst/>
+          </a:prstGeom>
+          <a:ln>
+            <a:noFill/>
+          </a:ln>
+          <a:effectLst>
+            <a:outerShdw blurRad="292100" dist="139700" dir="2700000" algn="tl" rotWithShape="0">
+              <a:srgbClr val="333333">
+                <a:alpha val="65000"/>
+              </a:srgbClr>
+            </a:outerShdw>
+          </a:effectLst>
+        </p:spPr>
+      </p:pic>
     </p:spTree>
     <p:extLst>
       <p:ext uri="{BB962C8B-B14F-4D97-AF65-F5344CB8AC3E}">
@@ -12262,8 +12471,8 @@
         </p:nvSpPr>
         <p:spPr>
           <a:xfrm>
-            <a:off x="21495" y="11266"/>
-            <a:ext cx="8915400" cy="465406"/>
+            <a:off x="0" y="0"/>
+            <a:ext cx="8915400" cy="548680"/>
           </a:xfrm>
         </p:spPr>
         <p:txBody>
@@ -12278,20 +12487,82 @@
                 </a:solidFill>
                 <a:cs typeface="Times New Roman" panose="02020603050405020304" pitchFamily="18" charset="0"/>
               </a:rPr>
-              <a:t>SQL Server 2016 &amp; Reporting Services</a:t>
-            </a:r>
-            <a:endParaRPr lang="en-US" sz="2800" dirty="0"/>
+              <a:t>Log4Net</a:t>
+            </a:r>
+            <a:endParaRPr lang="en-US" sz="2800" dirty="0">
+              <a:solidFill>
+                <a:schemeClr val="bg1"/>
+              </a:solidFill>
+            </a:endParaRPr>
+          </a:p>
+        </p:txBody>
+      </p:sp>
+      <p:sp>
+        <p:nvSpPr>
+          <p:cNvPr id="3" name="Content Placeholder 2"/>
+          <p:cNvSpPr>
+            <a:spLocks noGrp="1"/>
+          </p:cNvSpPr>
+          <p:nvPr>
+            <p:ph sz="half" idx="1"/>
+          </p:nvPr>
+        </p:nvSpPr>
+        <p:spPr>
+          <a:xfrm>
+            <a:off x="409747" y="1052736"/>
+            <a:ext cx="8791725" cy="1512168"/>
+          </a:xfrm>
+        </p:spPr>
+        <p:txBody>
+          <a:bodyPr/>
+          <a:lstStyle/>
+          <a:p>
+            <a:pPr marL="0" indent="0">
+              <a:buNone/>
+            </a:pPr>
+            <a:r>
+              <a:rPr lang="en-US" sz="1400" dirty="0">
+                <a:latin typeface="Times New Roman" panose="02020603050405020304" pitchFamily="18" charset="0"/>
+                <a:cs typeface="Times New Roman" panose="02020603050405020304" pitchFamily="18" charset="0"/>
+              </a:rPr>
+              <a:t>      Log4net is a tool to help the programmer output log statements to a variety of output targets. </a:t>
+            </a:r>
+          </a:p>
+          <a:p>
+            <a:pPr marL="0" indent="0">
+              <a:buNone/>
+            </a:pPr>
+            <a:r>
+              <a:rPr lang="en-US" sz="1400" dirty="0">
+                <a:latin typeface="Times New Roman" panose="02020603050405020304" pitchFamily="18" charset="0"/>
+                <a:cs typeface="Times New Roman" panose="02020603050405020304" pitchFamily="18" charset="0"/>
+              </a:rPr>
+              <a:t>      In case of problems with an application, it is helpful to enable logging so that the problem can be located. With log4net it is possible to enable logging at runtime without modifying the application binary. The log4net package is designed so that log statements can remain in shipped code without incurring a high performance cost. It follows that the speed of logging (or rather not logging) is crucial. </a:t>
+            </a:r>
+            <a:br>
+              <a:rPr lang="en-US" sz="1400" dirty="0">
+                <a:latin typeface="Times New Roman" panose="02020603050405020304" pitchFamily="18" charset="0"/>
+                <a:cs typeface="Times New Roman" panose="02020603050405020304" pitchFamily="18" charset="0"/>
+              </a:rPr>
+            </a:br>
+            <a:r>
+              <a:rPr lang="en-US" sz="1400" dirty="0">
+                <a:latin typeface="Times New Roman" panose="02020603050405020304" pitchFamily="18" charset="0"/>
+                <a:cs typeface="Times New Roman" panose="02020603050405020304" pitchFamily="18" charset="0"/>
+              </a:rPr>
+              <a:t>One of the distinctive features of log4net is the notion of hierarchical loggers.</a:t>
+            </a:r>
           </a:p>
         </p:txBody>
       </p:sp>
       <p:pic>
         <p:nvPicPr>
-          <p:cNvPr id="12" name="Content Placeholder 11"/>
+          <p:cNvPr id="7" name="Content Placeholder 6"/>
           <p:cNvPicPr>
             <a:picLocks noGrp="1" noChangeAspect="1"/>
           </p:cNvPicPr>
           <p:nvPr>
-            <p:ph sz="half" idx="1"/>
+            <p:ph sz="half" idx="2"/>
           </p:nvPr>
         </p:nvPicPr>
         <p:blipFill>
@@ -12308,50 +12579,8 @@
         </p:blipFill>
         <p:spPr>
           <a:xfrm>
-            <a:off x="416496" y="1556792"/>
-            <a:ext cx="4248472" cy="4057123"/>
-          </a:xfrm>
-          <a:prstGeom prst="rect">
-            <a:avLst/>
-          </a:prstGeom>
-          <a:ln>
-            <a:noFill/>
-          </a:ln>
-          <a:effectLst>
-            <a:outerShdw blurRad="292100" dist="139700" dir="2700000" algn="tl" rotWithShape="0">
-              <a:srgbClr val="333333">
-                <a:alpha val="65000"/>
-              </a:srgbClr>
-            </a:outerShdw>
-          </a:effectLst>
-        </p:spPr>
-      </p:pic>
-      <p:pic>
-        <p:nvPicPr>
-          <p:cNvPr id="14" name="Content Placeholder 13"/>
-          <p:cNvPicPr>
-            <a:picLocks noGrp="1" noChangeAspect="1"/>
-          </p:cNvPicPr>
-          <p:nvPr>
-            <p:ph sz="half" idx="2"/>
-          </p:nvPr>
-        </p:nvPicPr>
-        <p:blipFill>
-          <a:blip r:embed="rId3">
-            <a:extLst>
-              <a:ext uri="{28A0092B-C50C-407E-A947-70E740481C1C}">
-                <a14:useLocalDpi xmlns:a14="http://schemas.microsoft.com/office/drawing/2010/main" val="0"/>
-              </a:ext>
-            </a:extLst>
-          </a:blip>
-          <a:stretch>
-            <a:fillRect/>
-          </a:stretch>
-        </p:blipFill>
-        <p:spPr>
-          <a:xfrm>
-            <a:off x="5241032" y="1556792"/>
-            <a:ext cx="4165476" cy="4057123"/>
+            <a:off x="450283" y="3356992"/>
+            <a:ext cx="4327229" cy="2880320"/>
           </a:xfrm>
           <a:prstGeom prst="rect">
             <a:avLst/>
@@ -12397,10 +12626,50 @@
           </a:p>
         </p:txBody>
       </p:sp>
+      <p:pic>
+        <p:nvPicPr>
+          <p:cNvPr id="6" name="Picture 5"/>
+          <p:cNvPicPr>
+            <a:picLocks noChangeAspect="1"/>
+          </p:cNvPicPr>
+          <p:nvPr/>
+        </p:nvPicPr>
+        <p:blipFill>
+          <a:blip r:embed="rId3">
+            <a:extLst>
+              <a:ext uri="{28A0092B-C50C-407E-A947-70E740481C1C}">
+                <a14:useLocalDpi xmlns:a14="http://schemas.microsoft.com/office/drawing/2010/main" val="0"/>
+              </a:ext>
+            </a:extLst>
+          </a:blip>
+          <a:stretch>
+            <a:fillRect/>
+          </a:stretch>
+        </p:blipFill>
+        <p:spPr>
+          <a:xfrm>
+            <a:off x="5097016" y="3349724"/>
+            <a:ext cx="4265392" cy="2887588"/>
+          </a:xfrm>
+          <a:prstGeom prst="rect">
+            <a:avLst/>
+          </a:prstGeom>
+          <a:ln>
+            <a:noFill/>
+          </a:ln>
+          <a:effectLst>
+            <a:outerShdw blurRad="292100" dist="139700" dir="2700000" algn="tl" rotWithShape="0">
+              <a:srgbClr val="333333">
+                <a:alpha val="65000"/>
+              </a:srgbClr>
+            </a:outerShdw>
+          </a:effectLst>
+        </p:spPr>
+      </p:pic>
     </p:spTree>
     <p:extLst>
       <p:ext uri="{BB962C8B-B14F-4D97-AF65-F5344CB8AC3E}">
-        <p14:creationId xmlns:p14="http://schemas.microsoft.com/office/powerpoint/2010/main" val="1216219930"/>
+        <p14:creationId xmlns:p14="http://schemas.microsoft.com/office/powerpoint/2010/main" val="1341838908"/>
       </p:ext>
     </p:extLst>
   </p:cSld>
@@ -12439,8 +12708,8 @@
         </p:nvSpPr>
         <p:spPr>
           <a:xfrm>
-            <a:off x="0" y="0"/>
-            <a:ext cx="8915400" cy="548680"/>
+            <a:off x="0" y="36945"/>
+            <a:ext cx="8915400" cy="476672"/>
           </a:xfrm>
         </p:spPr>
         <p:txBody>
@@ -12449,13 +12718,22 @@
           <a:p>
             <a:pPr algn="l"/>
             <a:r>
-              <a:rPr lang="en-US" altLang="en-US" sz="2800" dirty="0">
+              <a:rPr lang="en-US" altLang="en-US" sz="2800" dirty="0" err="1">
                 <a:solidFill>
                   <a:schemeClr val="bg1"/>
                 </a:solidFill>
                 <a:cs typeface="Times New Roman" panose="02020603050405020304" pitchFamily="18" charset="0"/>
               </a:rPr>
-              <a:t>Log4Net</a:t>
+              <a:t>PagedList</a:t>
+            </a:r>
+            <a:r>
+              <a:rPr lang="en-US" altLang="en-US" sz="2800" dirty="0">
+                <a:solidFill>
+                  <a:schemeClr val="bg1"/>
+                </a:solidFill>
+                <a:cs typeface="Times New Roman" panose="02020603050405020304" pitchFamily="18" charset="0"/>
+              </a:rPr>
+              <a:t> package</a:t>
             </a:r>
             <a:endParaRPr lang="en-US" sz="2800" dirty="0">
               <a:solidFill>
@@ -12477,8 +12755,8 @@
         </p:nvSpPr>
         <p:spPr>
           <a:xfrm>
-            <a:off x="409747" y="1052736"/>
-            <a:ext cx="8791725" cy="1512168"/>
+            <a:off x="5245410" y="1732484"/>
+            <a:ext cx="3960440" cy="2044824"/>
           </a:xfrm>
         </p:spPr>
         <p:txBody>
@@ -12489,11 +12767,18 @@
               <a:buNone/>
             </a:pPr>
             <a:r>
+              <a:rPr lang="en-US" sz="1400" dirty="0" err="1">
+                <a:latin typeface="Times New Roman" panose="02020603050405020304" pitchFamily="18" charset="0"/>
+                <a:cs typeface="Times New Roman" panose="02020603050405020304" pitchFamily="18" charset="0"/>
+              </a:rPr>
+              <a:t>PagedList</a:t>
+            </a:r>
+            <a:r>
               <a:rPr lang="en-US" sz="1400" dirty="0">
                 <a:latin typeface="Times New Roman" panose="02020603050405020304" pitchFamily="18" charset="0"/>
                 <a:cs typeface="Times New Roman" panose="02020603050405020304" pitchFamily="18" charset="0"/>
               </a:rPr>
-              <a:t>      Log4net is a tool to help the programmer output log statements to a variety of output targets. </a:t>
+              <a:t> is a package used for writing paging code.</a:t>
             </a:r>
           </a:p>
           <a:p>
@@ -12505,20 +12790,35 @@
                 <a:latin typeface="Times New Roman" panose="02020603050405020304" pitchFamily="18" charset="0"/>
                 <a:cs typeface="Times New Roman" panose="02020603050405020304" pitchFamily="18" charset="0"/>
               </a:rPr>
-              <a:t>      In case of problems with an application, it is helpful to enable logging so that the problem can be located. With log4net it is possible to enable logging at runtime without modifying the application binary. The log4net package is designed so that log statements can remain in shipped code without incurring a high performance cost. It follows that the speed of logging (or rather not logging) is crucial. </a:t>
-            </a:r>
-            <a:br>
+              <a:t> It allows you to take any </a:t>
+            </a:r>
+            <a:r>
+              <a:rPr lang="en-US" sz="1400" dirty="0" err="1">
+                <a:latin typeface="Times New Roman" panose="02020603050405020304" pitchFamily="18" charset="0"/>
+                <a:cs typeface="Times New Roman" panose="02020603050405020304" pitchFamily="18" charset="0"/>
+              </a:rPr>
+              <a:t>IEnumerable</a:t>
+            </a:r>
+            <a:r>
               <a:rPr lang="en-US" sz="1400" dirty="0">
                 <a:latin typeface="Times New Roman" panose="02020603050405020304" pitchFamily="18" charset="0"/>
                 <a:cs typeface="Times New Roman" panose="02020603050405020304" pitchFamily="18" charset="0"/>
               </a:rPr>
-            </a:br>
+              <a:t>(T) and, by specifying the page size and desired page index, it can select only a subset of that list. </a:t>
+            </a:r>
+            <a:r>
+              <a:rPr lang="en-US" sz="1400" dirty="0" err="1">
+                <a:latin typeface="Times New Roman" panose="02020603050405020304" pitchFamily="18" charset="0"/>
+                <a:cs typeface="Times New Roman" panose="02020603050405020304" pitchFamily="18" charset="0"/>
+              </a:rPr>
+              <a:t>PagedList</a:t>
+            </a:r>
             <a:r>
               <a:rPr lang="en-US" sz="1400" dirty="0">
                 <a:latin typeface="Times New Roman" panose="02020603050405020304" pitchFamily="18" charset="0"/>
                 <a:cs typeface="Times New Roman" panose="02020603050405020304" pitchFamily="18" charset="0"/>
               </a:rPr>
-              <a:t>One of the distinctive features of log4net is the notion of hierarchical loggers.</a:t>
+              <a:t> also provides properties that are useful when building UI paging controls.</a:t>
             </a:r>
           </a:p>
         </p:txBody>
@@ -12547,8 +12847,8 @@
         </p:blipFill>
         <p:spPr>
           <a:xfrm>
-            <a:off x="416496" y="3068960"/>
-            <a:ext cx="8784976" cy="3168352"/>
+            <a:off x="5169024" y="4315675"/>
+            <a:ext cx="4036826" cy="1546758"/>
           </a:xfrm>
           <a:prstGeom prst="rect">
             <a:avLst/>
@@ -12557,9 +12857,9 @@
             <a:noFill/>
           </a:ln>
           <a:effectLst>
-            <a:outerShdw blurRad="292100" dist="139700" dir="2700000" algn="tl" rotWithShape="0">
-              <a:srgbClr val="333333">
-                <a:alpha val="65000"/>
+            <a:outerShdw blurRad="190500" algn="tl" rotWithShape="0">
+              <a:srgbClr val="000000">
+                <a:alpha val="70000"/>
               </a:srgbClr>
             </a:outerShdw>
           </a:effectLst>
@@ -12594,10 +12894,50 @@
           </a:p>
         </p:txBody>
       </p:sp>
+      <p:pic>
+        <p:nvPicPr>
+          <p:cNvPr id="6" name="Picture 5"/>
+          <p:cNvPicPr>
+            <a:picLocks noChangeAspect="1"/>
+          </p:cNvPicPr>
+          <p:nvPr/>
+        </p:nvPicPr>
+        <p:blipFill>
+          <a:blip r:embed="rId3">
+            <a:extLst>
+              <a:ext uri="{28A0092B-C50C-407E-A947-70E740481C1C}">
+                <a14:useLocalDpi xmlns:a14="http://schemas.microsoft.com/office/drawing/2010/main" val="0"/>
+              </a:ext>
+            </a:extLst>
+          </a:blip>
+          <a:stretch>
+            <a:fillRect/>
+          </a:stretch>
+        </p:blipFill>
+        <p:spPr>
+          <a:xfrm>
+            <a:off x="344488" y="764703"/>
+            <a:ext cx="4429125" cy="5097729"/>
+          </a:xfrm>
+          <a:prstGeom prst="rect">
+            <a:avLst/>
+          </a:prstGeom>
+          <a:ln>
+            <a:noFill/>
+          </a:ln>
+          <a:effectLst>
+            <a:outerShdw blurRad="190500" algn="tl" rotWithShape="0">
+              <a:srgbClr val="000000">
+                <a:alpha val="70000"/>
+              </a:srgbClr>
+            </a:outerShdw>
+          </a:effectLst>
+        </p:spPr>
+      </p:pic>
     </p:spTree>
     <p:extLst>
       <p:ext uri="{BB962C8B-B14F-4D97-AF65-F5344CB8AC3E}">
-        <p14:creationId xmlns:p14="http://schemas.microsoft.com/office/powerpoint/2010/main" val="1341838908"/>
+        <p14:creationId xmlns:p14="http://schemas.microsoft.com/office/powerpoint/2010/main" val="3351449521"/>
       </p:ext>
     </p:extLst>
   </p:cSld>
@@ -13297,353 +13637,6 @@
 </file>
 
 <file path=ppt/slides/slide20.xml><?xml version="1.0" encoding="utf-8"?>
-<p:sld xmlns:a="http://schemas.openxmlformats.org/drawingml/2006/main" xmlns:r="http://schemas.openxmlformats.org/officeDocument/2006/relationships" xmlns:p="http://schemas.openxmlformats.org/presentationml/2006/main">
-  <p:cSld>
-    <p:spTree>
-      <p:nvGrpSpPr>
-        <p:cNvPr id="1" name=""/>
-        <p:cNvGrpSpPr/>
-        <p:nvPr/>
-      </p:nvGrpSpPr>
-      <p:grpSpPr>
-        <a:xfrm>
-          <a:off x="0" y="0"/>
-          <a:ext cx="0" cy="0"/>
-          <a:chOff x="0" y="0"/>
-          <a:chExt cx="0" cy="0"/>
-        </a:xfrm>
-      </p:grpSpPr>
-      <p:sp>
-        <p:nvSpPr>
-          <p:cNvPr id="2" name="Title 1"/>
-          <p:cNvSpPr>
-            <a:spLocks noGrp="1"/>
-          </p:cNvSpPr>
-          <p:nvPr>
-            <p:ph type="title"/>
-          </p:nvPr>
-        </p:nvSpPr>
-        <p:spPr>
-          <a:xfrm>
-            <a:off x="0" y="0"/>
-            <a:ext cx="8915400" cy="548680"/>
-          </a:xfrm>
-        </p:spPr>
-        <p:txBody>
-          <a:bodyPr/>
-          <a:lstStyle/>
-          <a:p>
-            <a:pPr algn="l"/>
-            <a:r>
-              <a:rPr lang="en-US" altLang="en-US" sz="2800" dirty="0">
-                <a:solidFill>
-                  <a:schemeClr val="bg1"/>
-                </a:solidFill>
-                <a:cs typeface="Times New Roman" panose="02020603050405020304" pitchFamily="18" charset="0"/>
-              </a:rPr>
-              <a:t>Log4Net</a:t>
-            </a:r>
-            <a:endParaRPr lang="en-US" sz="2800" dirty="0"/>
-          </a:p>
-        </p:txBody>
-      </p:sp>
-      <p:pic>
-        <p:nvPicPr>
-          <p:cNvPr id="6" name="Content Placeholder 5"/>
-          <p:cNvPicPr>
-            <a:picLocks noGrp="1" noChangeAspect="1"/>
-          </p:cNvPicPr>
-          <p:nvPr>
-            <p:ph sz="half" idx="1"/>
-          </p:nvPr>
-        </p:nvPicPr>
-        <p:blipFill>
-          <a:blip r:embed="rId2"/>
-          <a:stretch>
-            <a:fillRect/>
-          </a:stretch>
-        </p:blipFill>
-        <p:spPr>
-          <a:xfrm>
-            <a:off x="646634" y="836712"/>
-            <a:ext cx="8268766" cy="5328592"/>
-          </a:xfrm>
-          <a:prstGeom prst="rect">
-            <a:avLst/>
-          </a:prstGeom>
-        </p:spPr>
-      </p:pic>
-      <p:sp>
-        <p:nvSpPr>
-          <p:cNvPr id="5" name="Slide Number Placeholder 4"/>
-          <p:cNvSpPr>
-            <a:spLocks noGrp="1"/>
-          </p:cNvSpPr>
-          <p:nvPr>
-            <p:ph type="sldNum" sz="quarter" idx="12"/>
-          </p:nvPr>
-        </p:nvSpPr>
-        <p:spPr/>
-        <p:txBody>
-          <a:bodyPr/>
-          <a:lstStyle/>
-          <a:p>
-            <a:pPr>
-              <a:defRPr/>
-            </a:pPr>
-            <a:fld id="{E6574C62-3BE2-490C-BC0C-04F56C0A3483}" type="slidenum">
-              <a:rPr lang="en-GB" altLang="en-US" smtClean="0"/>
-              <a:pPr>
-                <a:defRPr/>
-              </a:pPr>
-              <a:t>20</a:t>
-            </a:fld>
-            <a:endParaRPr lang="en-GB" altLang="en-US" dirty="0"/>
-          </a:p>
-        </p:txBody>
-      </p:sp>
-    </p:spTree>
-    <p:extLst>
-      <p:ext uri="{BB962C8B-B14F-4D97-AF65-F5344CB8AC3E}">
-        <p14:creationId xmlns:p14="http://schemas.microsoft.com/office/powerpoint/2010/main" val="2315924780"/>
-      </p:ext>
-    </p:extLst>
-  </p:cSld>
-  <p:clrMapOvr>
-    <a:masterClrMapping/>
-  </p:clrMapOvr>
-</p:sld>
-</file>
-
-<file path=ppt/slides/slide21.xml><?xml version="1.0" encoding="utf-8"?>
-<p:sld xmlns:a="http://schemas.openxmlformats.org/drawingml/2006/main" xmlns:r="http://schemas.openxmlformats.org/officeDocument/2006/relationships" xmlns:p="http://schemas.openxmlformats.org/presentationml/2006/main">
-  <p:cSld>
-    <p:spTree>
-      <p:nvGrpSpPr>
-        <p:cNvPr id="1" name=""/>
-        <p:cNvGrpSpPr/>
-        <p:nvPr/>
-      </p:nvGrpSpPr>
-      <p:grpSpPr>
-        <a:xfrm>
-          <a:off x="0" y="0"/>
-          <a:ext cx="0" cy="0"/>
-          <a:chOff x="0" y="0"/>
-          <a:chExt cx="0" cy="0"/>
-        </a:xfrm>
-      </p:grpSpPr>
-      <p:sp>
-        <p:nvSpPr>
-          <p:cNvPr id="2" name="Title 1"/>
-          <p:cNvSpPr>
-            <a:spLocks noGrp="1"/>
-          </p:cNvSpPr>
-          <p:nvPr>
-            <p:ph type="title"/>
-          </p:nvPr>
-        </p:nvSpPr>
-        <p:spPr>
-          <a:xfrm>
-            <a:off x="0" y="36945"/>
-            <a:ext cx="8915400" cy="476672"/>
-          </a:xfrm>
-        </p:spPr>
-        <p:txBody>
-          <a:bodyPr/>
-          <a:lstStyle/>
-          <a:p>
-            <a:pPr algn="l"/>
-            <a:r>
-              <a:rPr lang="en-US" altLang="en-US" sz="2800" dirty="0" err="1">
-                <a:solidFill>
-                  <a:schemeClr val="bg1"/>
-                </a:solidFill>
-                <a:cs typeface="Times New Roman" panose="02020603050405020304" pitchFamily="18" charset="0"/>
-              </a:rPr>
-              <a:t>PagedList</a:t>
-            </a:r>
-            <a:r>
-              <a:rPr lang="en-US" altLang="en-US" sz="2800" dirty="0">
-                <a:solidFill>
-                  <a:schemeClr val="bg1"/>
-                </a:solidFill>
-                <a:cs typeface="Times New Roman" panose="02020603050405020304" pitchFamily="18" charset="0"/>
-              </a:rPr>
-              <a:t> package</a:t>
-            </a:r>
-            <a:endParaRPr lang="en-US" sz="2800" dirty="0">
-              <a:solidFill>
-                <a:schemeClr val="bg1"/>
-              </a:solidFill>
-            </a:endParaRPr>
-          </a:p>
-        </p:txBody>
-      </p:sp>
-      <p:sp>
-        <p:nvSpPr>
-          <p:cNvPr id="3" name="Content Placeholder 2"/>
-          <p:cNvSpPr>
-            <a:spLocks noGrp="1"/>
-          </p:cNvSpPr>
-          <p:nvPr>
-            <p:ph sz="half" idx="1"/>
-          </p:nvPr>
-        </p:nvSpPr>
-        <p:spPr>
-          <a:xfrm>
-            <a:off x="5169024" y="2419701"/>
-            <a:ext cx="4248472" cy="2044824"/>
-          </a:xfrm>
-        </p:spPr>
-        <p:txBody>
-          <a:bodyPr/>
-          <a:lstStyle/>
-          <a:p>
-            <a:pPr marL="0" indent="0">
-              <a:buNone/>
-            </a:pPr>
-            <a:r>
-              <a:rPr lang="en-US" sz="1400" dirty="0" err="1">
-                <a:latin typeface="Times New Roman" panose="02020603050405020304" pitchFamily="18" charset="0"/>
-                <a:cs typeface="Times New Roman" panose="02020603050405020304" pitchFamily="18" charset="0"/>
-              </a:rPr>
-              <a:t>PagedList</a:t>
-            </a:r>
-            <a:r>
-              <a:rPr lang="en-US" sz="1400" dirty="0">
-                <a:latin typeface="Times New Roman" panose="02020603050405020304" pitchFamily="18" charset="0"/>
-                <a:cs typeface="Times New Roman" panose="02020603050405020304" pitchFamily="18" charset="0"/>
-              </a:rPr>
-              <a:t> is a package used for writing paging code.</a:t>
-            </a:r>
-          </a:p>
-          <a:p>
-            <a:pPr marL="0" indent="0">
-              <a:buNone/>
-            </a:pPr>
-            <a:r>
-              <a:rPr lang="en-US" sz="1400" dirty="0">
-                <a:latin typeface="Times New Roman" panose="02020603050405020304" pitchFamily="18" charset="0"/>
-                <a:cs typeface="Times New Roman" panose="02020603050405020304" pitchFamily="18" charset="0"/>
-              </a:rPr>
-              <a:t> It allows you to take any </a:t>
-            </a:r>
-            <a:r>
-              <a:rPr lang="en-US" sz="1400" dirty="0" err="1">
-                <a:latin typeface="Times New Roman" panose="02020603050405020304" pitchFamily="18" charset="0"/>
-                <a:cs typeface="Times New Roman" panose="02020603050405020304" pitchFamily="18" charset="0"/>
-              </a:rPr>
-              <a:t>IEnumerable</a:t>
-            </a:r>
-            <a:r>
-              <a:rPr lang="en-US" sz="1400" dirty="0">
-                <a:latin typeface="Times New Roman" panose="02020603050405020304" pitchFamily="18" charset="0"/>
-                <a:cs typeface="Times New Roman" panose="02020603050405020304" pitchFamily="18" charset="0"/>
-              </a:rPr>
-              <a:t>(T) and, by specifying the page size and desired page index, it can select only a subset of that list. </a:t>
-            </a:r>
-            <a:r>
-              <a:rPr lang="en-US" sz="1400" dirty="0" err="1">
-                <a:latin typeface="Times New Roman" panose="02020603050405020304" pitchFamily="18" charset="0"/>
-                <a:cs typeface="Times New Roman" panose="02020603050405020304" pitchFamily="18" charset="0"/>
-              </a:rPr>
-              <a:t>PagedList</a:t>
-            </a:r>
-            <a:r>
-              <a:rPr lang="en-US" sz="1400" dirty="0">
-                <a:latin typeface="Times New Roman" panose="02020603050405020304" pitchFamily="18" charset="0"/>
-                <a:cs typeface="Times New Roman" panose="02020603050405020304" pitchFamily="18" charset="0"/>
-              </a:rPr>
-              <a:t> also provides properties that are useful when building UI paging controls.</a:t>
-            </a:r>
-          </a:p>
-        </p:txBody>
-      </p:sp>
-      <p:pic>
-        <p:nvPicPr>
-          <p:cNvPr id="7" name="Content Placeholder 6"/>
-          <p:cNvPicPr>
-            <a:picLocks noGrp="1" noChangeAspect="1"/>
-          </p:cNvPicPr>
-          <p:nvPr>
-            <p:ph sz="half" idx="2"/>
-          </p:nvPr>
-        </p:nvPicPr>
-        <p:blipFill>
-          <a:blip r:embed="rId2">
-            <a:extLst>
-              <a:ext uri="{28A0092B-C50C-407E-A947-70E740481C1C}">
-                <a14:useLocalDpi xmlns:a14="http://schemas.microsoft.com/office/drawing/2010/main" val="0"/>
-              </a:ext>
-            </a:extLst>
-          </a:blip>
-          <a:stretch>
-            <a:fillRect/>
-          </a:stretch>
-        </p:blipFill>
-        <p:spPr>
-          <a:xfrm>
-            <a:off x="344488" y="1834825"/>
-            <a:ext cx="4752528" cy="3214575"/>
-          </a:xfrm>
-          <a:prstGeom prst="rect">
-            <a:avLst/>
-          </a:prstGeom>
-          <a:ln>
-            <a:noFill/>
-          </a:ln>
-          <a:effectLst>
-            <a:outerShdw blurRad="292100" dist="139700" dir="2700000" algn="tl" rotWithShape="0">
-              <a:srgbClr val="333333">
-                <a:alpha val="65000"/>
-              </a:srgbClr>
-            </a:outerShdw>
-          </a:effectLst>
-        </p:spPr>
-      </p:pic>
-      <p:sp>
-        <p:nvSpPr>
-          <p:cNvPr id="5" name="Slide Number Placeholder 4"/>
-          <p:cNvSpPr>
-            <a:spLocks noGrp="1"/>
-          </p:cNvSpPr>
-          <p:nvPr>
-            <p:ph type="sldNum" sz="quarter" idx="12"/>
-          </p:nvPr>
-        </p:nvSpPr>
-        <p:spPr/>
-        <p:txBody>
-          <a:bodyPr/>
-          <a:lstStyle/>
-          <a:p>
-            <a:pPr>
-              <a:defRPr/>
-            </a:pPr>
-            <a:fld id="{E6574C62-3BE2-490C-BC0C-04F56C0A3483}" type="slidenum">
-              <a:rPr lang="en-GB" altLang="en-US" smtClean="0"/>
-              <a:pPr>
-                <a:defRPr/>
-              </a:pPr>
-              <a:t>21</a:t>
-            </a:fld>
-            <a:endParaRPr lang="en-GB" altLang="en-US" dirty="0"/>
-          </a:p>
-        </p:txBody>
-      </p:sp>
-    </p:spTree>
-    <p:extLst>
-      <p:ext uri="{BB962C8B-B14F-4D97-AF65-F5344CB8AC3E}">
-        <p14:creationId xmlns:p14="http://schemas.microsoft.com/office/powerpoint/2010/main" val="3351449521"/>
-      </p:ext>
-    </p:extLst>
-  </p:cSld>
-  <p:clrMapOvr>
-    <a:masterClrMapping/>
-  </p:clrMapOvr>
-</p:sld>
-</file>
-
-<file path=ppt/slides/slide22.xml><?xml version="1.0" encoding="utf-8"?>
 <p:sld xmlns:a="http://schemas.openxmlformats.org/drawingml/2006/main" xmlns:r="http://schemas.openxmlformats.org/officeDocument/2006/relationships" xmlns:p="http://schemas.openxmlformats.org/presentationml/2006/main">
   <p:cSld>
     <p:spTree>
@@ -13805,7 +13798,7 @@
               <a:pPr>
                 <a:defRPr/>
               </a:pPr>
-              <a:t>22</a:t>
+              <a:t>20</a:t>
             </a:fld>
             <a:endParaRPr lang="en-GB" altLang="en-US" dirty="0"/>
           </a:p>
@@ -13853,7 +13846,7 @@
 </p:sld>
 </file>
 
-<file path=ppt/slides/slide23.xml><?xml version="1.0" encoding="utf-8"?>
+<file path=ppt/slides/slide21.xml><?xml version="1.0" encoding="utf-8"?>
 <p:sld xmlns:a="http://schemas.openxmlformats.org/drawingml/2006/main" xmlns:r="http://schemas.openxmlformats.org/officeDocument/2006/relationships" xmlns:p="http://schemas.openxmlformats.org/presentationml/2006/main">
   <p:cSld>
     <p:spTree>
@@ -13957,7 +13950,7 @@
         <p:spPr>
           <a:xfrm>
             <a:off x="788112" y="1196752"/>
-            <a:ext cx="8127288" cy="792088"/>
+            <a:ext cx="8127288" cy="1296144"/>
           </a:xfrm>
         </p:spPr>
         <p:txBody>
@@ -13988,6 +13981,63 @@
               </a:rPr>
               <a:t> is a software testing method by which individual units of source code, sets of one or more computer program modules together with associated control data, usage procedures, and operating procedures, are tested to determine whether they are fit for use.</a:t>
             </a:r>
+          </a:p>
+          <a:p>
+            <a:pPr marL="0" indent="0">
+              <a:buNone/>
+            </a:pPr>
+            <a:r>
+              <a:rPr lang="en-US" sz="1400" dirty="0">
+                <a:latin typeface="Times New Roman" panose="02020603050405020304" pitchFamily="18" charset="0"/>
+                <a:cs typeface="Times New Roman" panose="02020603050405020304" pitchFamily="18" charset="0"/>
+              </a:rPr>
+              <a:t>  </a:t>
+            </a:r>
+          </a:p>
+          <a:p>
+            <a:pPr marL="0" indent="0">
+              <a:buNone/>
+            </a:pPr>
+            <a:r>
+              <a:rPr lang="en-US" sz="1400" dirty="0">
+                <a:latin typeface="Times New Roman" panose="02020603050405020304" pitchFamily="18" charset="0"/>
+                <a:cs typeface="Times New Roman" panose="02020603050405020304" pitchFamily="18" charset="0"/>
+              </a:rPr>
+              <a:t>We use unit testing in </a:t>
+            </a:r>
+            <a:r>
+              <a:rPr lang="en-US" sz="1400" dirty="0" err="1">
+                <a:latin typeface="Times New Roman" panose="02020603050405020304" pitchFamily="18" charset="0"/>
+                <a:cs typeface="Times New Roman" panose="02020603050405020304" pitchFamily="18" charset="0"/>
+              </a:rPr>
+              <a:t>metods</a:t>
+            </a:r>
+            <a:r>
+              <a:rPr lang="en-US" sz="1400" dirty="0">
+                <a:latin typeface="Times New Roman" panose="02020603050405020304" pitchFamily="18" charset="0"/>
+                <a:cs typeface="Times New Roman" panose="02020603050405020304" pitchFamily="18" charset="0"/>
+              </a:rPr>
+              <a:t> </a:t>
+            </a:r>
+            <a:r>
+              <a:rPr lang="en-US" sz="1400">
+                <a:latin typeface="Times New Roman" panose="02020603050405020304" pitchFamily="18" charset="0"/>
+                <a:cs typeface="Times New Roman" panose="02020603050405020304" pitchFamily="18" charset="0"/>
+              </a:rPr>
+              <a:t>from Controllers</a:t>
+            </a:r>
+            <a:r>
+              <a:rPr lang="en-US" sz="1400" dirty="0">
+                <a:latin typeface="Times New Roman" panose="02020603050405020304" pitchFamily="18" charset="0"/>
+                <a:cs typeface="Times New Roman" panose="02020603050405020304" pitchFamily="18" charset="0"/>
+              </a:rPr>
+              <a:t>.</a:t>
+            </a:r>
+          </a:p>
+          <a:p>
+            <a:pPr marL="0" indent="0">
+              <a:buNone/>
+            </a:pPr>
             <a:endParaRPr lang="en-US" sz="1400" dirty="0">
               <a:latin typeface="Times New Roman" panose="02020603050405020304" pitchFamily="18" charset="0"/>
               <a:cs typeface="Times New Roman" panose="02020603050405020304" pitchFamily="18" charset="0"/>
@@ -14018,7 +14068,7 @@
               <a:pPr>
                 <a:defRPr/>
               </a:pPr>
-              <a:t>23</a:t>
+              <a:t>21</a:t>
             </a:fld>
             <a:endParaRPr lang="en-GB" altLang="en-US" dirty="0"/>
           </a:p>
@@ -14037,7 +14087,7 @@
 </p:sld>
 </file>
 
-<file path=ppt/slides/slide24.xml><?xml version="1.0" encoding="utf-8"?>
+<file path=ppt/slides/slide22.xml><?xml version="1.0" encoding="utf-8"?>
 <p:sld xmlns:a="http://schemas.openxmlformats.org/drawingml/2006/main" xmlns:r="http://schemas.openxmlformats.org/officeDocument/2006/relationships" xmlns:p="http://schemas.openxmlformats.org/presentationml/2006/main">
   <p:cSld>
     <p:spTree>
@@ -14234,7 +14284,7 @@
                 <a:buFontTx/>
                 <a:buNone/>
               </a:pPr>
-              <a:t>24</a:t>
+              <a:t>22</a:t>
             </a:fld>
             <a:endParaRPr lang="en-GB" altLang="en-US" sz="1400" dirty="0"/>
           </a:p>
@@ -16684,7 +16734,7 @@
               <a:rPr lang="en-US" altLang="en-US" sz="2000" dirty="0">
                 <a:cs typeface="Times New Roman" panose="02020603050405020304" pitchFamily="18" charset="0"/>
               </a:rPr>
-              <a:t>, JavaScript library: Raphael, Morris</a:t>
+              <a:t>, JavaScript libraries: Raphael, Morris</a:t>
             </a:r>
           </a:p>
           <a:p>
@@ -18037,7 +18087,7 @@
               <a:rPr lang="en-US" altLang="en-US" sz="2000" dirty="0">
                 <a:cs typeface="Times New Roman" panose="02020603050405020304" pitchFamily="18" charset="0"/>
               </a:rPr>
-              <a:t>, JavaScript library: Raphael, Morris</a:t>
+              <a:t>, JavaScript libraries: Raphael, Morris</a:t>
             </a:r>
           </a:p>
           <a:p>
@@ -18357,7 +18407,7 @@
         </p:blipFill>
         <p:spPr>
           <a:xfrm>
-            <a:off x="6465168" y="1352848"/>
+            <a:off x="6591404" y="1772816"/>
             <a:ext cx="2724150" cy="1752600"/>
           </a:xfrm>
           <a:prstGeom prst="rect">
@@ -18428,7 +18478,7 @@
         </p:blipFill>
         <p:spPr>
           <a:xfrm>
-            <a:off x="272480" y="1335514"/>
+            <a:off x="344488" y="1772816"/>
             <a:ext cx="5544616" cy="4212831"/>
           </a:xfrm>
           <a:prstGeom prst="rect">
@@ -18468,7 +18518,7 @@
         </p:blipFill>
         <p:spPr>
           <a:xfrm>
-            <a:off x="6194916" y="3645024"/>
+            <a:off x="6321152" y="4149080"/>
             <a:ext cx="3264654" cy="2048161"/>
           </a:xfrm>
           <a:prstGeom prst="rect">
@@ -18486,6 +18536,59 @@
           </a:effectLst>
         </p:spPr>
       </p:pic>
+      <p:sp>
+        <p:nvSpPr>
+          <p:cNvPr id="6" name="TextBox 5"/>
+          <p:cNvSpPr txBox="1"/>
+          <p:nvPr/>
+        </p:nvSpPr>
+        <p:spPr>
+          <a:xfrm>
+            <a:off x="632520" y="764704"/>
+            <a:ext cx="7704856" cy="738664"/>
+          </a:xfrm>
+          <a:prstGeom prst="rect">
+            <a:avLst/>
+          </a:prstGeom>
+          <a:noFill/>
+        </p:spPr>
+        <p:txBody>
+          <a:bodyPr wrap="square" rtlCol="0">
+            <a:spAutoFit/>
+          </a:bodyPr>
+          <a:lstStyle/>
+          <a:p>
+            <a:pPr marL="285750" indent="-285750">
+              <a:buFont typeface="Arial" panose="020B0604020202020204" pitchFamily="34" charset="0"/>
+              <a:buChar char="•"/>
+            </a:pPr>
+            <a:r>
+              <a:rPr lang="en-US" dirty="0"/>
+              <a:t>Responsive design</a:t>
+            </a:r>
+          </a:p>
+          <a:p>
+            <a:pPr marL="285750" indent="-285750">
+              <a:buFont typeface="Arial" panose="020B0604020202020204" pitchFamily="34" charset="0"/>
+              <a:buChar char="•"/>
+            </a:pPr>
+            <a:r>
+              <a:rPr lang="en-US" dirty="0"/>
+              <a:t>Mobile first</a:t>
+            </a:r>
+          </a:p>
+          <a:p>
+            <a:pPr marL="285750" indent="-285750">
+              <a:buFont typeface="Arial" panose="020B0604020202020204" pitchFamily="34" charset="0"/>
+              <a:buChar char="•"/>
+            </a:pPr>
+            <a:r>
+              <a:rPr lang="en-US" dirty="0"/>
+              <a:t>All browsers: Internet Explorer, Chrome, Safari, Edge</a:t>
+            </a:r>
+          </a:p>
+        </p:txBody>
+      </p:sp>
     </p:spTree>
     <p:extLst>
       <p:ext uri="{BB962C8B-B14F-4D97-AF65-F5344CB8AC3E}">
@@ -18572,50 +18675,8 @@
         </p:blipFill>
         <p:spPr>
           <a:xfrm>
-            <a:off x="458346" y="1102055"/>
+            <a:off x="436593" y="1556792"/>
             <a:ext cx="5256584" cy="2277625"/>
-          </a:xfrm>
-          <a:prstGeom prst="rect">
-            <a:avLst/>
-          </a:prstGeom>
-          <a:ln>
-            <a:noFill/>
-          </a:ln>
-          <a:effectLst>
-            <a:outerShdw blurRad="292100" dist="139700" dir="2700000" algn="tl" rotWithShape="0">
-              <a:srgbClr val="333333">
-                <a:alpha val="65000"/>
-              </a:srgbClr>
-            </a:outerShdw>
-          </a:effectLst>
-        </p:spPr>
-      </p:pic>
-      <p:pic>
-        <p:nvPicPr>
-          <p:cNvPr id="9" name="Content Placeholder 8"/>
-          <p:cNvPicPr>
-            <a:picLocks noGrp="1" noChangeAspect="1"/>
-          </p:cNvPicPr>
-          <p:nvPr>
-            <p:ph sz="half" idx="2"/>
-          </p:nvPr>
-        </p:nvPicPr>
-        <p:blipFill>
-          <a:blip r:embed="rId3">
-            <a:extLst>
-              <a:ext uri="{28A0092B-C50C-407E-A947-70E740481C1C}">
-                <a14:useLocalDpi xmlns:a14="http://schemas.microsoft.com/office/drawing/2010/main" val="0"/>
-              </a:ext>
-            </a:extLst>
-          </a:blip>
-          <a:stretch>
-            <a:fillRect/>
-          </a:stretch>
-        </p:blipFill>
-        <p:spPr>
-          <a:xfrm>
-            <a:off x="488504" y="3933056"/>
-            <a:ext cx="8640959" cy="2284793"/>
           </a:xfrm>
           <a:prstGeom prst="rect">
             <a:avLst/>
@@ -18669,7 +18730,7 @@
         </p:nvSpPr>
         <p:spPr>
           <a:xfrm>
-            <a:off x="5961112" y="1844824"/>
+            <a:off x="5961112" y="1556792"/>
             <a:ext cx="3643727" cy="954107"/>
           </a:xfrm>
           <a:prstGeom prst="rect">
@@ -18699,6 +18760,88 @@
           </a:p>
         </p:txBody>
       </p:sp>
+      <p:pic>
+        <p:nvPicPr>
+          <p:cNvPr id="6" name="Content Placeholder 5"/>
+          <p:cNvPicPr>
+            <a:picLocks noGrp="1" noChangeAspect="1"/>
+          </p:cNvPicPr>
+          <p:nvPr>
+            <p:ph sz="half" idx="2"/>
+          </p:nvPr>
+        </p:nvPicPr>
+        <p:blipFill>
+          <a:blip r:embed="rId3">
+            <a:extLst>
+              <a:ext uri="{28A0092B-C50C-407E-A947-70E740481C1C}">
+                <a14:useLocalDpi xmlns:a14="http://schemas.microsoft.com/office/drawing/2010/main" val="0"/>
+              </a:ext>
+            </a:extLst>
+          </a:blip>
+          <a:stretch>
+            <a:fillRect/>
+          </a:stretch>
+        </p:blipFill>
+        <p:spPr>
+          <a:xfrm>
+            <a:off x="5241031" y="4581128"/>
+            <a:ext cx="4248473" cy="1393331"/>
+          </a:xfrm>
+          <a:prstGeom prst="rect">
+            <a:avLst/>
+          </a:prstGeom>
+          <a:ln>
+            <a:noFill/>
+          </a:ln>
+          <a:effectLst>
+            <a:outerShdw blurRad="292100" dist="139700" dir="2700000" algn="tl" rotWithShape="0">
+              <a:srgbClr val="333333">
+                <a:alpha val="65000"/>
+              </a:srgbClr>
+            </a:outerShdw>
+          </a:effectLst>
+        </p:spPr>
+      </p:pic>
+      <p:pic>
+        <p:nvPicPr>
+          <p:cNvPr id="13" name="Picture 12"/>
+          <p:cNvPicPr>
+            <a:picLocks noChangeAspect="1"/>
+          </p:cNvPicPr>
+          <p:nvPr/>
+        </p:nvPicPr>
+        <p:blipFill>
+          <a:blip r:embed="rId4">
+            <a:extLst>
+              <a:ext uri="{28A0092B-C50C-407E-A947-70E740481C1C}">
+                <a14:useLocalDpi xmlns:a14="http://schemas.microsoft.com/office/drawing/2010/main" val="0"/>
+              </a:ext>
+            </a:extLst>
+          </a:blip>
+          <a:stretch>
+            <a:fillRect/>
+          </a:stretch>
+        </p:blipFill>
+        <p:spPr>
+          <a:xfrm>
+            <a:off x="436593" y="4581128"/>
+            <a:ext cx="4461100" cy="1393330"/>
+          </a:xfrm>
+          <a:prstGeom prst="rect">
+            <a:avLst/>
+          </a:prstGeom>
+          <a:ln>
+            <a:noFill/>
+          </a:ln>
+          <a:effectLst>
+            <a:outerShdw blurRad="292100" dist="139700" dir="2700000" algn="tl" rotWithShape="0">
+              <a:srgbClr val="333333">
+                <a:alpha val="65000"/>
+              </a:srgbClr>
+            </a:outerShdw>
+          </a:effectLst>
+        </p:spPr>
+      </p:pic>
     </p:spTree>
     <p:extLst>
       <p:ext uri="{BB962C8B-B14F-4D97-AF65-F5344CB8AC3E}">
@@ -18856,8 +18999,8 @@
         </p:blipFill>
         <p:spPr>
           <a:xfrm>
-            <a:off x="776536" y="4478722"/>
-            <a:ext cx="8541809" cy="1677424"/>
+            <a:off x="1280592" y="4292721"/>
+            <a:ext cx="6912768" cy="1935058"/>
           </a:xfrm>
           <a:prstGeom prst="rect">
             <a:avLst/>
@@ -19014,8 +19157,8 @@
         </p:blipFill>
         <p:spPr>
           <a:xfrm>
-            <a:off x="4880992" y="1700808"/>
-            <a:ext cx="4773490" cy="3312368"/>
+            <a:off x="4725988" y="1412776"/>
+            <a:ext cx="4578358" cy="1578408"/>
           </a:xfrm>
           <a:prstGeom prst="rect">
             <a:avLst/>
@@ -19073,7 +19216,7 @@
         </p:nvSpPr>
         <p:spPr>
           <a:xfrm>
-            <a:off x="344488" y="1700808"/>
+            <a:off x="200472" y="1412776"/>
             <a:ext cx="4381500" cy="3816424"/>
           </a:xfrm>
         </p:spPr>
@@ -19342,6 +19485,46 @@
           </a:p>
         </p:txBody>
       </p:sp>
+      <p:pic>
+        <p:nvPicPr>
+          <p:cNvPr id="4" name="Picture 3"/>
+          <p:cNvPicPr>
+            <a:picLocks noChangeAspect="1"/>
+          </p:cNvPicPr>
+          <p:nvPr/>
+        </p:nvPicPr>
+        <p:blipFill>
+          <a:blip r:embed="rId3">
+            <a:extLst>
+              <a:ext uri="{28A0092B-C50C-407E-A947-70E740481C1C}">
+                <a14:useLocalDpi xmlns:a14="http://schemas.microsoft.com/office/drawing/2010/main" val="0"/>
+              </a:ext>
+            </a:extLst>
+          </a:blip>
+          <a:stretch>
+            <a:fillRect/>
+          </a:stretch>
+        </p:blipFill>
+        <p:spPr>
+          <a:xfrm>
+            <a:off x="4725988" y="3320988"/>
+            <a:ext cx="4578358" cy="2569454"/>
+          </a:xfrm>
+          <a:prstGeom prst="rect">
+            <a:avLst/>
+          </a:prstGeom>
+          <a:ln>
+            <a:noFill/>
+          </a:ln>
+          <a:effectLst>
+            <a:outerShdw blurRad="292100" dist="139700" dir="2700000" algn="tl" rotWithShape="0">
+              <a:srgbClr val="333333">
+                <a:alpha val="65000"/>
+              </a:srgbClr>
+            </a:outerShdw>
+          </a:effectLst>
+        </p:spPr>
+      </p:pic>
     </p:spTree>
     <p:extLst>
       <p:ext uri="{BB962C8B-B14F-4D97-AF65-F5344CB8AC3E}">

--- a/Documents/Application.Architecture.pptx
+++ b/Documents/Application.Architecture.pptx
@@ -14017,21 +14017,7 @@
                 <a:latin typeface="Times New Roman" panose="02020603050405020304" pitchFamily="18" charset="0"/>
                 <a:cs typeface="Times New Roman" panose="02020603050405020304" pitchFamily="18" charset="0"/>
               </a:rPr>
-              <a:t> </a:t>
-            </a:r>
-            <a:r>
-              <a:rPr lang="en-US" sz="1400">
-                <a:latin typeface="Times New Roman" panose="02020603050405020304" pitchFamily="18" charset="0"/>
-                <a:cs typeface="Times New Roman" panose="02020603050405020304" pitchFamily="18" charset="0"/>
-              </a:rPr>
-              <a:t>from Controllers</a:t>
-            </a:r>
-            <a:r>
-              <a:rPr lang="en-US" sz="1400" dirty="0">
-                <a:latin typeface="Times New Roman" panose="02020603050405020304" pitchFamily="18" charset="0"/>
-                <a:cs typeface="Times New Roman" panose="02020603050405020304" pitchFamily="18" charset="0"/>
-              </a:rPr>
-              <a:t>.</a:t>
+              <a:t> from Controllers.</a:t>
             </a:r>
           </a:p>
           <a:p>
@@ -18055,7 +18041,7 @@
               <a:rPr lang="en-US" altLang="en-US" sz="2000" dirty="0" err="1">
                 <a:cs typeface="Times New Roman" panose="02020603050405020304" pitchFamily="18" charset="0"/>
               </a:rPr>
-              <a:t>Jquery</a:t>
+              <a:t>JQuery</a:t>
             </a:r>
             <a:endParaRPr lang="en-US" altLang="en-US" sz="2000" dirty="0">
               <a:cs typeface="Times New Roman" panose="02020603050405020304" pitchFamily="18" charset="0"/>

--- a/Documents/Application.Architecture.pptx
+++ b/Documents/Application.Architecture.pptx
@@ -9189,7 +9189,6 @@
               <a:rPr lang="en-US" dirty="0"/>
               <a:t>Desktop view</a:t>
             </a:r>
-            <a:endParaRPr lang="en-US" dirty="0"/>
           </a:p>
         </p:txBody>
       </p:sp>
@@ -11418,8 +11417,8 @@
         </p:blipFill>
         <p:spPr>
           <a:xfrm>
-            <a:off x="6002529" y="1340768"/>
-            <a:ext cx="2896243" cy="4536033"/>
+            <a:off x="5745088" y="1268760"/>
+            <a:ext cx="3312368" cy="4752528"/>
           </a:xfrm>
           <a:prstGeom prst="rect">
             <a:avLst/>
@@ -11739,9 +11738,22 @@
         </p:blipFill>
         <p:spPr>
           <a:xfrm>
-            <a:off x="5567996" y="781465"/>
-            <a:ext cx="3838511" cy="2359504"/>
+            <a:off x="5952812" y="836712"/>
+            <a:ext cx="2925993" cy="2359504"/>
           </a:xfrm>
+          <a:prstGeom prst="rect">
+            <a:avLst/>
+          </a:prstGeom>
+          <a:ln>
+            <a:noFill/>
+          </a:ln>
+          <a:effectLst>
+            <a:outerShdw blurRad="190500" algn="tl" rotWithShape="0">
+              <a:srgbClr val="000000">
+                <a:alpha val="70000"/>
+              </a:srgbClr>
+            </a:outerShdw>
+          </a:effectLst>
         </p:spPr>
       </p:pic>
       <p:pic>
@@ -11766,12 +11778,22 @@
         </p:blipFill>
         <p:spPr>
           <a:xfrm>
-            <a:off x="5587887" y="3808511"/>
-            <a:ext cx="3783265" cy="2450407"/>
+            <a:off x="5889104" y="3861048"/>
+            <a:ext cx="3053411" cy="2314217"/>
           </a:xfrm>
           <a:prstGeom prst="rect">
             <a:avLst/>
           </a:prstGeom>
+          <a:ln>
+            <a:noFill/>
+          </a:ln>
+          <a:effectLst>
+            <a:outerShdw blurRad="190500" algn="tl" rotWithShape="0">
+              <a:srgbClr val="000000">
+                <a:alpha val="70000"/>
+              </a:srgbClr>
+            </a:outerShdw>
+          </a:effectLst>
         </p:spPr>
       </p:pic>
       <p:pic>
@@ -11796,12 +11818,22 @@
         </p:blipFill>
         <p:spPr>
           <a:xfrm>
-            <a:off x="344488" y="5097420"/>
-            <a:ext cx="4896544" cy="1190625"/>
+            <a:off x="488504" y="4941168"/>
+            <a:ext cx="4608512" cy="1234096"/>
           </a:xfrm>
           <a:prstGeom prst="rect">
             <a:avLst/>
           </a:prstGeom>
+          <a:ln>
+            <a:noFill/>
+          </a:ln>
+          <a:effectLst>
+            <a:outerShdw blurRad="190500" algn="tl" rotWithShape="0">
+              <a:srgbClr val="000000">
+                <a:alpha val="70000"/>
+              </a:srgbClr>
+            </a:outerShdw>
+          </a:effectLst>
         </p:spPr>
       </p:pic>
     </p:spTree>

--- a/Documents/Application.Architecture.pptx
+++ b/Documents/Application.Architecture.pptx
@@ -9137,9 +9137,9 @@
             <a:noFill/>
           </a:ln>
           <a:effectLst>
-            <a:outerShdw blurRad="292100" dist="139700" dir="2700000" algn="tl" rotWithShape="0">
-              <a:srgbClr val="333333">
-                <a:alpha val="65000"/>
+            <a:outerShdw blurRad="190500" algn="tl" rotWithShape="0">
+              <a:srgbClr val="000000">
+                <a:alpha val="70000"/>
               </a:srgbClr>
             </a:outerShdw>
           </a:effectLst>
@@ -9508,9 +9508,9 @@
             <a:noFill/>
           </a:ln>
           <a:effectLst>
-            <a:outerShdw blurRad="292100" dist="139700" dir="2700000" algn="tl" rotWithShape="0">
-              <a:srgbClr val="333333">
-                <a:alpha val="65000"/>
+            <a:outerShdw blurRad="190500" algn="tl" rotWithShape="0">
+              <a:srgbClr val="000000">
+                <a:alpha val="70000"/>
               </a:srgbClr>
             </a:outerShdw>
           </a:effectLst>
@@ -9774,9 +9774,9 @@
             <a:noFill/>
           </a:ln>
           <a:effectLst>
-            <a:outerShdw blurRad="292100" dist="139700" dir="2700000" algn="tl" rotWithShape="0">
-              <a:srgbClr val="333333">
-                <a:alpha val="65000"/>
+            <a:outerShdw blurRad="190500" algn="tl" rotWithShape="0">
+              <a:srgbClr val="000000">
+                <a:alpha val="70000"/>
               </a:srgbClr>
             </a:outerShdw>
           </a:effectLst>
@@ -9833,8 +9833,8 @@
         </p:blipFill>
         <p:spPr>
           <a:xfrm>
-            <a:off x="1068140" y="3229082"/>
-            <a:ext cx="7605960" cy="3362218"/>
+            <a:off x="1067024" y="3166054"/>
+            <a:ext cx="7605960" cy="3171718"/>
           </a:xfrm>
           <a:prstGeom prst="rect">
             <a:avLst/>
@@ -9843,9 +9843,9 @@
             <a:noFill/>
           </a:ln>
           <a:effectLst>
-            <a:outerShdw blurRad="292100" dist="139700" dir="2700000" algn="tl" rotWithShape="0">
-              <a:srgbClr val="333333">
-                <a:alpha val="65000"/>
+            <a:outerShdw blurRad="190500" algn="tl" rotWithShape="0">
+              <a:srgbClr val="000000">
+                <a:alpha val="70000"/>
               </a:srgbClr>
             </a:outerShdw>
           </a:effectLst>
@@ -11275,7 +11275,7 @@
         </p:nvSpPr>
         <p:spPr>
           <a:xfrm>
-            <a:off x="13963" y="0"/>
+            <a:off x="0" y="0"/>
             <a:ext cx="8915400" cy="548680"/>
           </a:xfrm>
         </p:spPr>
@@ -11427,9 +11427,9 @@
             <a:noFill/>
           </a:ln>
           <a:effectLst>
-            <a:outerShdw blurRad="292100" dist="139700" dir="2700000" algn="tl" rotWithShape="0">
-              <a:srgbClr val="333333">
-                <a:alpha val="65000"/>
+            <a:outerShdw blurRad="190500" algn="tl" rotWithShape="0">
+              <a:srgbClr val="000000">
+                <a:alpha val="70000"/>
               </a:srgbClr>
             </a:outerShdw>
           </a:effectLst>
@@ -11666,21 +11666,7 @@
                 <a:latin typeface="Times New Roman" panose="02020603050405020304" pitchFamily="18" charset="0"/>
                 <a:cs typeface="Times New Roman" panose="02020603050405020304" pitchFamily="18" charset="0"/>
               </a:rPr>
-              <a:t>) is a Microsoft.NET Framework component that adds native data querying capabilities to .NET languages, although ports exist for PHP, JavaScript, </a:t>
-            </a:r>
-            <a:r>
-              <a:rPr lang="en-US" sz="1400" dirty="0" err="1">
-                <a:latin typeface="Times New Roman" panose="02020603050405020304" pitchFamily="18" charset="0"/>
-                <a:cs typeface="Times New Roman" panose="02020603050405020304" pitchFamily="18" charset="0"/>
-              </a:rPr>
-              <a:t>TypeScript</a:t>
-            </a:r>
-            <a:r>
-              <a:rPr lang="en-US" sz="1400" dirty="0">
-                <a:latin typeface="Times New Roman" panose="02020603050405020304" pitchFamily="18" charset="0"/>
-                <a:cs typeface="Times New Roman" panose="02020603050405020304" pitchFamily="18" charset="0"/>
-              </a:rPr>
-              <a:t> and ActionScript.</a:t>
+              <a:t>) is a Microsoft.NET Framework component that adds native data querying capabilities to .NET languages.</a:t>
             </a:r>
           </a:p>
         </p:txBody>
@@ -11738,8 +11724,8 @@
         </p:blipFill>
         <p:spPr>
           <a:xfrm>
-            <a:off x="5952812" y="836712"/>
-            <a:ext cx="2925993" cy="2359504"/>
+            <a:off x="5529064" y="692696"/>
+            <a:ext cx="3912085" cy="2820016"/>
           </a:xfrm>
           <a:prstGeom prst="rect">
             <a:avLst/>
@@ -11778,8 +11764,8 @@
         </p:blipFill>
         <p:spPr>
           <a:xfrm>
-            <a:off x="5889104" y="3861048"/>
-            <a:ext cx="3053411" cy="2314217"/>
+            <a:off x="5529064" y="3753265"/>
+            <a:ext cx="3912085" cy="2647536"/>
           </a:xfrm>
           <a:prstGeom prst="rect">
             <a:avLst/>
@@ -11818,7 +11804,7 @@
         </p:blipFill>
         <p:spPr>
           <a:xfrm>
-            <a:off x="488504" y="4941168"/>
+            <a:off x="476819" y="5166704"/>
             <a:ext cx="4608512" cy="1234096"/>
           </a:xfrm>
           <a:prstGeom prst="rect">
@@ -12128,8 +12114,8 @@
         </p:blipFill>
         <p:spPr>
           <a:xfrm>
-            <a:off x="5970228" y="836712"/>
-            <a:ext cx="3096344" cy="5218083"/>
+            <a:off x="5745088" y="836146"/>
+            <a:ext cx="3393492" cy="5218083"/>
           </a:xfrm>
           <a:prstGeom prst="rect">
             <a:avLst/>
@@ -12138,9 +12124,9 @@
             <a:noFill/>
           </a:ln>
           <a:effectLst>
-            <a:outerShdw blurRad="292100" dist="139700" dir="2700000" algn="tl" rotWithShape="0">
-              <a:srgbClr val="333333">
-                <a:alpha val="65000"/>
+            <a:outerShdw blurRad="190500" algn="tl" rotWithShape="0">
+              <a:srgbClr val="000000">
+                <a:alpha val="70000"/>
               </a:srgbClr>
             </a:outerShdw>
           </a:effectLst>
@@ -12384,9 +12370,9 @@
             <a:noFill/>
           </a:ln>
           <a:effectLst>
-            <a:outerShdw blurRad="292100" dist="139700" dir="2700000" algn="tl" rotWithShape="0">
-              <a:srgbClr val="333333">
-                <a:alpha val="65000"/>
+            <a:outerShdw blurRad="190500" algn="tl" rotWithShape="0">
+              <a:srgbClr val="000000">
+                <a:alpha val="70000"/>
               </a:srgbClr>
             </a:outerShdw>
           </a:effectLst>
@@ -12453,9 +12439,9 @@
             <a:noFill/>
           </a:ln>
           <a:effectLst>
-            <a:outerShdw blurRad="292100" dist="139700" dir="2700000" algn="tl" rotWithShape="0">
-              <a:srgbClr val="333333">
-                <a:alpha val="65000"/>
+            <a:outerShdw blurRad="190500" algn="tl" rotWithShape="0">
+              <a:srgbClr val="000000">
+                <a:alpha val="70000"/>
               </a:srgbClr>
             </a:outerShdw>
           </a:effectLst>
@@ -12611,8 +12597,8 @@
         </p:blipFill>
         <p:spPr>
           <a:xfrm>
-            <a:off x="450283" y="3356992"/>
-            <a:ext cx="4327229" cy="2880320"/>
+            <a:off x="450283" y="3068960"/>
+            <a:ext cx="4327229" cy="3168352"/>
           </a:xfrm>
           <a:prstGeom prst="rect">
             <a:avLst/>
@@ -12621,9 +12607,9 @@
             <a:noFill/>
           </a:ln>
           <a:effectLst>
-            <a:outerShdw blurRad="292100" dist="139700" dir="2700000" algn="tl" rotWithShape="0">
-              <a:srgbClr val="333333">
-                <a:alpha val="65000"/>
+            <a:outerShdw blurRad="190500" algn="tl" rotWithShape="0">
+              <a:srgbClr val="000000">
+                <a:alpha val="70000"/>
               </a:srgbClr>
             </a:outerShdw>
           </a:effectLst>
@@ -12680,8 +12666,8 @@
         </p:blipFill>
         <p:spPr>
           <a:xfrm>
-            <a:off x="5097016" y="3349724"/>
-            <a:ext cx="4265392" cy="2887588"/>
+            <a:off x="5097016" y="3068960"/>
+            <a:ext cx="4265392" cy="3168352"/>
           </a:xfrm>
           <a:prstGeom prst="rect">
             <a:avLst/>
@@ -12690,9 +12676,9 @@
             <a:noFill/>
           </a:ln>
           <a:effectLst>
-            <a:outerShdw blurRad="292100" dist="139700" dir="2700000" algn="tl" rotWithShape="0">
-              <a:srgbClr val="333333">
-                <a:alpha val="65000"/>
+            <a:outerShdw blurRad="190500" algn="tl" rotWithShape="0">
+              <a:srgbClr val="000000">
+                <a:alpha val="70000"/>
               </a:srgbClr>
             </a:outerShdw>
           </a:effectLst>
@@ -13747,7 +13733,7 @@
         </p:blipFill>
         <p:spPr>
           <a:xfrm>
-            <a:off x="497260" y="1772815"/>
+            <a:off x="513640" y="1988840"/>
             <a:ext cx="3960440" cy="3648075"/>
           </a:xfrm>
           <a:prstGeom prst="rect">
@@ -13757,9 +13743,9 @@
             <a:noFill/>
           </a:ln>
           <a:effectLst>
-            <a:outerShdw blurRad="292100" dist="139700" dir="2700000" algn="tl" rotWithShape="0">
-              <a:srgbClr val="333333">
-                <a:alpha val="65000"/>
+            <a:outerShdw blurRad="190500" algn="tl" rotWithShape="0">
+              <a:srgbClr val="000000">
+                <a:alpha val="70000"/>
               </a:srgbClr>
             </a:outerShdw>
           </a:effectLst>
@@ -13789,7 +13775,7 @@
         </p:blipFill>
         <p:spPr>
           <a:xfrm>
-            <a:off x="5097016" y="1772816"/>
+            <a:off x="5097016" y="1988840"/>
             <a:ext cx="4381500" cy="3648075"/>
           </a:xfrm>
           <a:prstGeom prst="rect">
@@ -13799,9 +13785,9 @@
             <a:noFill/>
           </a:ln>
           <a:effectLst>
-            <a:outerShdw blurRad="292100" dist="139700" dir="2700000" algn="tl" rotWithShape="0">
-              <a:srgbClr val="333333">
-                <a:alpha val="65000"/>
+            <a:outerShdw blurRad="190500" algn="tl" rotWithShape="0">
+              <a:srgbClr val="000000">
+                <a:alpha val="70000"/>
               </a:srgbClr>
             </a:outerShdw>
           </a:effectLst>
@@ -13961,9 +13947,9 @@
             <a:noFill/>
           </a:ln>
           <a:effectLst>
-            <a:outerShdw blurRad="292100" dist="139700" dir="2700000" algn="tl" rotWithShape="0">
-              <a:srgbClr val="333333">
-                <a:alpha val="65000"/>
+            <a:outerShdw blurRad="190500" algn="tl" rotWithShape="0">
+              <a:srgbClr val="000000">
+                <a:alpha val="70000"/>
               </a:srgbClr>
             </a:outerShdw>
           </a:effectLst>
@@ -18226,7 +18212,7 @@
         </p:blipFill>
         <p:spPr>
           <a:xfrm>
-            <a:off x="416496" y="2204864"/>
+            <a:off x="345983" y="2547408"/>
             <a:ext cx="5976664" cy="3568200"/>
           </a:xfrm>
           <a:prstGeom prst="rect">
@@ -18236,9 +18222,9 @@
             <a:noFill/>
           </a:ln>
           <a:effectLst>
-            <a:outerShdw blurRad="292100" dist="139700" dir="2700000" algn="tl" rotWithShape="0">
-              <a:srgbClr val="333333">
-                <a:alpha val="65000"/>
+            <a:outerShdw blurRad="190500" algn="tl" rotWithShape="0">
+              <a:srgbClr val="000000">
+                <a:alpha val="70000"/>
               </a:srgbClr>
             </a:outerShdw>
           </a:effectLst>
@@ -18345,9 +18331,9 @@
             <a:noFill/>
           </a:ln>
           <a:effectLst>
-            <a:outerShdw blurRad="292100" dist="139700" dir="2700000" algn="tl" rotWithShape="0">
-              <a:srgbClr val="333333">
-                <a:alpha val="65000"/>
+            <a:outerShdw blurRad="190500" algn="tl" rotWithShape="0">
+              <a:srgbClr val="000000">
+                <a:alpha val="70000"/>
               </a:srgbClr>
             </a:outerShdw>
           </a:effectLst>
@@ -18439,7 +18425,7 @@
         </p:blipFill>
         <p:spPr>
           <a:xfrm>
-            <a:off x="6591404" y="1772816"/>
+            <a:off x="6519396" y="1807948"/>
             <a:ext cx="2724150" cy="1752600"/>
           </a:xfrm>
           <a:prstGeom prst="rect">
@@ -18449,9 +18435,9 @@
             <a:noFill/>
           </a:ln>
           <a:effectLst>
-            <a:outerShdw blurRad="292100" dist="139700" dir="2700000" algn="tl" rotWithShape="0">
-              <a:srgbClr val="333333">
-                <a:alpha val="65000"/>
+            <a:outerShdw blurRad="190500" algn="tl" rotWithShape="0">
+              <a:srgbClr val="000000">
+                <a:alpha val="70000"/>
               </a:srgbClr>
             </a:outerShdw>
           </a:effectLst>
@@ -18510,8 +18496,8 @@
         </p:blipFill>
         <p:spPr>
           <a:xfrm>
-            <a:off x="344488" y="1772816"/>
-            <a:ext cx="5544616" cy="4212831"/>
+            <a:off x="344488" y="1807948"/>
+            <a:ext cx="5544616" cy="4389293"/>
           </a:xfrm>
           <a:prstGeom prst="rect">
             <a:avLst/>
@@ -18520,9 +18506,9 @@
             <a:noFill/>
           </a:ln>
           <a:effectLst>
-            <a:outerShdw blurRad="292100" dist="139700" dir="2700000" algn="tl" rotWithShape="0">
-              <a:srgbClr val="333333">
-                <a:alpha val="65000"/>
+            <a:outerShdw blurRad="190500" algn="tl" rotWithShape="0">
+              <a:srgbClr val="000000">
+                <a:alpha val="70000"/>
               </a:srgbClr>
             </a:outerShdw>
           </a:effectLst>
@@ -18550,7 +18536,7 @@
         </p:blipFill>
         <p:spPr>
           <a:xfrm>
-            <a:off x="6321152" y="4149080"/>
+            <a:off x="6249144" y="4149080"/>
             <a:ext cx="3264654" cy="2048161"/>
           </a:xfrm>
           <a:prstGeom prst="rect">
@@ -18560,9 +18546,9 @@
             <a:noFill/>
           </a:ln>
           <a:effectLst>
-            <a:outerShdw blurRad="292100" dist="139700" dir="2700000" algn="tl" rotWithShape="0">
-              <a:srgbClr val="333333">
-                <a:alpha val="65000"/>
+            <a:outerShdw blurRad="190500" algn="tl" rotWithShape="0">
+              <a:srgbClr val="000000">
+                <a:alpha val="70000"/>
               </a:srgbClr>
             </a:outerShdw>
           </a:effectLst>
@@ -18707,7 +18693,7 @@
         </p:blipFill>
         <p:spPr>
           <a:xfrm>
-            <a:off x="436593" y="1556792"/>
+            <a:off x="410557" y="1556792"/>
             <a:ext cx="5256584" cy="2277625"/>
           </a:xfrm>
           <a:prstGeom prst="rect">
@@ -18717,9 +18703,9 @@
             <a:noFill/>
           </a:ln>
           <a:effectLst>
-            <a:outerShdw blurRad="292100" dist="139700" dir="2700000" algn="tl" rotWithShape="0">
-              <a:srgbClr val="333333">
-                <a:alpha val="65000"/>
+            <a:outerShdw blurRad="190500" algn="tl" rotWithShape="0">
+              <a:srgbClr val="000000">
+                <a:alpha val="70000"/>
               </a:srgbClr>
             </a:outerShdw>
           </a:effectLst>
@@ -18826,9 +18812,9 @@
             <a:noFill/>
           </a:ln>
           <a:effectLst>
-            <a:outerShdw blurRad="292100" dist="139700" dir="2700000" algn="tl" rotWithShape="0">
-              <a:srgbClr val="333333">
-                <a:alpha val="65000"/>
+            <a:outerShdw blurRad="190500" algn="tl" rotWithShape="0">
+              <a:srgbClr val="000000">
+                <a:alpha val="70000"/>
               </a:srgbClr>
             </a:outerShdw>
           </a:effectLst>
@@ -18856,7 +18842,7 @@
         </p:blipFill>
         <p:spPr>
           <a:xfrm>
-            <a:off x="436593" y="4581128"/>
+            <a:off x="410557" y="4581128"/>
             <a:ext cx="4461100" cy="1393330"/>
           </a:xfrm>
           <a:prstGeom prst="rect">
@@ -18866,9 +18852,9 @@
             <a:noFill/>
           </a:ln>
           <a:effectLst>
-            <a:outerShdw blurRad="292100" dist="139700" dir="2700000" algn="tl" rotWithShape="0">
-              <a:srgbClr val="333333">
-                <a:alpha val="65000"/>
+            <a:outerShdw blurRad="190500" algn="tl" rotWithShape="0">
+              <a:srgbClr val="000000">
+                <a:alpha val="70000"/>
               </a:srgbClr>
             </a:outerShdw>
           </a:effectLst>
@@ -18970,9 +18956,9 @@
             <a:noFill/>
           </a:ln>
           <a:effectLst>
-            <a:outerShdw blurRad="292100" dist="139700" dir="2700000" algn="tl" rotWithShape="0">
-              <a:srgbClr val="333333">
-                <a:alpha val="65000"/>
+            <a:outerShdw blurRad="190500" algn="tl" rotWithShape="0">
+              <a:srgbClr val="000000">
+                <a:alpha val="70000"/>
               </a:srgbClr>
             </a:outerShdw>
           </a:effectLst>
@@ -19041,9 +19027,9 @@
             <a:noFill/>
           </a:ln>
           <a:effectLst>
-            <a:outerShdw blurRad="292100" dist="139700" dir="2700000" algn="tl" rotWithShape="0">
-              <a:srgbClr val="333333">
-                <a:alpha val="65000"/>
+            <a:outerShdw blurRad="190500" algn="tl" rotWithShape="0">
+              <a:srgbClr val="000000">
+                <a:alpha val="70000"/>
               </a:srgbClr>
             </a:outerShdw>
           </a:effectLst>
@@ -19199,9 +19185,9 @@
             <a:noFill/>
           </a:ln>
           <a:effectLst>
-            <a:outerShdw blurRad="292100" dist="139700" dir="2700000" algn="tl" rotWithShape="0">
-              <a:srgbClr val="333333">
-                <a:alpha val="65000"/>
+            <a:outerShdw blurRad="190500" algn="tl" rotWithShape="0">
+              <a:srgbClr val="000000">
+                <a:alpha val="70000"/>
               </a:srgbClr>
             </a:outerShdw>
           </a:effectLst>
@@ -19549,9 +19535,9 @@
             <a:noFill/>
           </a:ln>
           <a:effectLst>
-            <a:outerShdw blurRad="292100" dist="139700" dir="2700000" algn="tl" rotWithShape="0">
-              <a:srgbClr val="333333">
-                <a:alpha val="65000"/>
+            <a:outerShdw blurRad="190500" algn="tl" rotWithShape="0">
+              <a:srgbClr val="000000">
+                <a:alpha val="70000"/>
               </a:srgbClr>
             </a:outerShdw>
           </a:effectLst>

--- a/Documents/Application.Architecture.pptx
+++ b/Documents/Application.Architecture.pptx
@@ -9189,7 +9189,6 @@
               <a:rPr lang="en-US" dirty="0"/>
               <a:t>Desktop view</a:t>
             </a:r>
-            <a:endParaRPr lang="en-US" dirty="0"/>
           </a:p>
         </p:txBody>
       </p:sp>
@@ -18009,10 +18008,16 @@
               <a:defRPr/>
             </a:pPr>
             <a:r>
+              <a:rPr lang="en-US" altLang="en-US" sz="2000">
+                <a:cs typeface="Times New Roman" panose="02020603050405020304" pitchFamily="18" charset="0"/>
+              </a:rPr>
+              <a:t> HTML5 </a:t>
+            </a:r>
+            <a:r>
               <a:rPr lang="en-US" altLang="en-US" sz="2000" dirty="0">
                 <a:cs typeface="Times New Roman" panose="02020603050405020304" pitchFamily="18" charset="0"/>
               </a:rPr>
-              <a:t> HTML 5 &amp; CSS3</a:t>
+              <a:t>&amp; CSS3</a:t>
             </a:r>
           </a:p>
           <a:p>

--- a/Documents/Application.Architecture.pptx
+++ b/Documents/Application.Architecture.pptx
@@ -12317,48 +12317,6 @@
           </a:p>
         </p:txBody>
       </p:sp>
-      <p:pic>
-        <p:nvPicPr>
-          <p:cNvPr id="7" name="Content Placeholder 6"/>
-          <p:cNvPicPr>
-            <a:picLocks noGrp="1" noChangeAspect="1"/>
-          </p:cNvPicPr>
-          <p:nvPr>
-            <p:ph sz="half" idx="2"/>
-          </p:nvPr>
-        </p:nvPicPr>
-        <p:blipFill>
-          <a:blip r:embed="rId2">
-            <a:extLst>
-              <a:ext uri="{28A0092B-C50C-407E-A947-70E740481C1C}">
-                <a14:useLocalDpi xmlns:a14="http://schemas.microsoft.com/office/drawing/2010/main" val="0"/>
-              </a:ext>
-            </a:extLst>
-          </a:blip>
-          <a:stretch>
-            <a:fillRect/>
-          </a:stretch>
-        </p:blipFill>
-        <p:spPr>
-          <a:xfrm>
-            <a:off x="355444" y="4840614"/>
-            <a:ext cx="4601716" cy="1434485"/>
-          </a:xfrm>
-          <a:prstGeom prst="rect">
-            <a:avLst/>
-          </a:prstGeom>
-          <a:ln>
-            <a:noFill/>
-          </a:ln>
-          <a:effectLst>
-            <a:outerShdw blurRad="292100" dist="139700" dir="2700000" algn="tl" rotWithShape="0">
-              <a:srgbClr val="333333">
-                <a:alpha val="65000"/>
-              </a:srgbClr>
-            </a:outerShdw>
-          </a:effectLst>
-        </p:spPr>
-      </p:pic>
       <p:sp>
         <p:nvSpPr>
           <p:cNvPr id="5" name="Slide Number Placeholder 4"/>
@@ -12397,7 +12355,7 @@
           <p:nvPr/>
         </p:nvPicPr>
         <p:blipFill>
-          <a:blip r:embed="rId3">
+          <a:blip r:embed="rId2">
             <a:extLst>
               <a:ext uri="{28A0092B-C50C-407E-A947-70E740481C1C}">
                 <a14:useLocalDpi xmlns:a14="http://schemas.microsoft.com/office/drawing/2010/main" val="0"/>
@@ -12428,6 +12386,49 @@
           </a:effectLst>
         </p:spPr>
       </p:pic>
+      <p:pic>
+        <p:nvPicPr>
+          <p:cNvPr id="4" name="Picture 3"/>
+          <p:cNvPicPr>
+            <a:picLocks noChangeAspect="1"/>
+          </p:cNvPicPr>
+          <p:nvPr/>
+        </p:nvPicPr>
+        <p:blipFill>
+          <a:blip r:embed="rId3"/>
+          <a:stretch>
+            <a:fillRect/>
+          </a:stretch>
+        </p:blipFill>
+        <p:spPr>
+          <a:xfrm>
+            <a:off x="355444" y="4397834"/>
+            <a:ext cx="4282581" cy="2002965"/>
+          </a:xfrm>
+          <a:prstGeom prst="rect">
+            <a:avLst/>
+          </a:prstGeom>
+        </p:spPr>
+      </p:pic>
+      <p:sp>
+        <p:nvSpPr>
+          <p:cNvPr id="8" name="Content Placeholder 7"/>
+          <p:cNvSpPr>
+            <a:spLocks noGrp="1"/>
+          </p:cNvSpPr>
+          <p:nvPr>
+            <p:ph sz="half" idx="2"/>
+          </p:nvPr>
+        </p:nvSpPr>
+        <p:spPr/>
+        <p:txBody>
+          <a:bodyPr/>
+          <a:lstStyle/>
+          <a:p>
+            <a:endParaRPr lang="en-US"/>
+          </a:p>
+        </p:txBody>
+      </p:sp>
     </p:spTree>
     <p:extLst>
       <p:ext uri="{BB962C8B-B14F-4D97-AF65-F5344CB8AC3E}">

--- a/Documents/Application.Architecture.pptx
+++ b/Documents/Application.Architecture.pptx
@@ -12369,7 +12369,7 @@
         <p:spPr>
           <a:xfrm>
             <a:off x="5169024" y="1128875"/>
-            <a:ext cx="4270552" cy="5146594"/>
+            <a:ext cx="4270552" cy="5271924"/>
           </a:xfrm>
           <a:prstGeom prst="rect">
             <a:avLst/>
@@ -12402,33 +12402,24 @@
         </p:blipFill>
         <p:spPr>
           <a:xfrm>
-            <a:off x="355444" y="4397834"/>
+            <a:off x="454363" y="4397834"/>
             <a:ext cx="4282581" cy="2002965"/>
           </a:xfrm>
           <a:prstGeom prst="rect">
             <a:avLst/>
           </a:prstGeom>
+          <a:ln>
+            <a:noFill/>
+          </a:ln>
+          <a:effectLst>
+            <a:outerShdw blurRad="190500" algn="tl" rotWithShape="0">
+              <a:srgbClr val="000000">
+                <a:alpha val="70000"/>
+              </a:srgbClr>
+            </a:outerShdw>
+          </a:effectLst>
         </p:spPr>
       </p:pic>
-      <p:sp>
-        <p:nvSpPr>
-          <p:cNvPr id="8" name="Content Placeholder 7"/>
-          <p:cNvSpPr>
-            <a:spLocks noGrp="1"/>
-          </p:cNvSpPr>
-          <p:nvPr>
-            <p:ph sz="half" idx="2"/>
-          </p:nvPr>
-        </p:nvSpPr>
-        <p:spPr/>
-        <p:txBody>
-          <a:bodyPr/>
-          <a:lstStyle/>
-          <a:p>
-            <a:endParaRPr lang="en-US"/>
-          </a:p>
-        </p:txBody>
-      </p:sp>
     </p:spTree>
     <p:extLst>
       <p:ext uri="{BB962C8B-B14F-4D97-AF65-F5344CB8AC3E}">
